--- a/Reliability.pptx
+++ b/Reliability.pptx
@@ -6207,8 +6207,12 @@
               <a:buChar char="•"/>
             </a:pPr>
             <a:r>
-              <a:rPr lang="en-US" dirty="0" smtClean="0"/>
-              <a:t>pop </a:t>
+              <a:rPr lang="en-US" dirty="0"/>
+              <a:t>P</a:t>
+            </a:r>
+            <a:r>
+              <a:rPr lang="en-US" smtClean="0"/>
+              <a:t>op </a:t>
             </a:r>
             <a:r>
               <a:rPr lang="en-US" dirty="0"/>
@@ -6265,9 +6269,333 @@
   <p:timing>
     <p:tnLst>
       <p:par>
-        <p:cTn id="1" dur="indefinite" restart="never" nodeType="tmRoot"/>
+        <p:cTn id="1" dur="indefinite" restart="never" nodeType="tmRoot">
+          <p:childTnLst>
+            <p:seq concurrent="1" nextAc="seek">
+              <p:cTn id="2" dur="indefinite" nodeType="mainSeq">
+                <p:childTnLst>
+                  <p:par>
+                    <p:cTn id="3" fill="hold">
+                      <p:stCondLst>
+                        <p:cond delay="indefinite"/>
+                      </p:stCondLst>
+                      <p:childTnLst>
+                        <p:par>
+                          <p:cTn id="4" fill="hold">
+                            <p:stCondLst>
+                              <p:cond delay="0"/>
+                            </p:stCondLst>
+                            <p:childTnLst>
+                              <p:par>
+                                <p:cTn id="5" presetID="42" presetClass="entr" presetSubtype="0" fill="hold" grpId="0" nodeType="clickEffect">
+                                  <p:stCondLst>
+                                    <p:cond delay="0"/>
+                                  </p:stCondLst>
+                                  <p:childTnLst>
+                                    <p:set>
+                                      <p:cBhvr>
+                                        <p:cTn id="6" dur="1" fill="hold">
+                                          <p:stCondLst>
+                                            <p:cond delay="0"/>
+                                          </p:stCondLst>
+                                        </p:cTn>
+                                        <p:tgtEl>
+                                          <p:spTgt spid="5"/>
+                                        </p:tgtEl>
+                                        <p:attrNameLst>
+                                          <p:attrName>style.visibility</p:attrName>
+                                        </p:attrNameLst>
+                                      </p:cBhvr>
+                                      <p:to>
+                                        <p:strVal val="visible"/>
+                                      </p:to>
+                                    </p:set>
+                                    <p:animEffect transition="in" filter="fade">
+                                      <p:cBhvr>
+                                        <p:cTn id="7" dur="1000"/>
+                                        <p:tgtEl>
+                                          <p:spTgt spid="5"/>
+                                        </p:tgtEl>
+                                      </p:cBhvr>
+                                    </p:animEffect>
+                                    <p:anim calcmode="lin" valueType="num">
+                                      <p:cBhvr>
+                                        <p:cTn id="8" dur="1000" fill="hold"/>
+                                        <p:tgtEl>
+                                          <p:spTgt spid="5"/>
+                                        </p:tgtEl>
+                                        <p:attrNameLst>
+                                          <p:attrName>ppt_x</p:attrName>
+                                        </p:attrNameLst>
+                                      </p:cBhvr>
+                                      <p:tavLst>
+                                        <p:tav tm="0">
+                                          <p:val>
+                                            <p:strVal val="#ppt_x"/>
+                                          </p:val>
+                                        </p:tav>
+                                        <p:tav tm="100000">
+                                          <p:val>
+                                            <p:strVal val="#ppt_x"/>
+                                          </p:val>
+                                        </p:tav>
+                                      </p:tavLst>
+                                    </p:anim>
+                                    <p:anim calcmode="lin" valueType="num">
+                                      <p:cBhvr>
+                                        <p:cTn id="9" dur="1000" fill="hold"/>
+                                        <p:tgtEl>
+                                          <p:spTgt spid="5"/>
+                                        </p:tgtEl>
+                                        <p:attrNameLst>
+                                          <p:attrName>ppt_y</p:attrName>
+                                        </p:attrNameLst>
+                                      </p:cBhvr>
+                                      <p:tavLst>
+                                        <p:tav tm="0">
+                                          <p:val>
+                                            <p:strVal val="#ppt_y+.1"/>
+                                          </p:val>
+                                        </p:tav>
+                                        <p:tav tm="100000">
+                                          <p:val>
+                                            <p:strVal val="#ppt_y"/>
+                                          </p:val>
+                                        </p:tav>
+                                      </p:tavLst>
+                                    </p:anim>
+                                  </p:childTnLst>
+                                </p:cTn>
+                              </p:par>
+                            </p:childTnLst>
+                          </p:cTn>
+                        </p:par>
+                      </p:childTnLst>
+                    </p:cTn>
+                  </p:par>
+                  <p:par>
+                    <p:cTn id="10" fill="hold">
+                      <p:stCondLst>
+                        <p:cond delay="indefinite"/>
+                      </p:stCondLst>
+                      <p:childTnLst>
+                        <p:par>
+                          <p:cTn id="11" fill="hold">
+                            <p:stCondLst>
+                              <p:cond delay="0"/>
+                            </p:stCondLst>
+                            <p:childTnLst>
+                              <p:par>
+                                <p:cTn id="12" presetID="42" presetClass="entr" presetSubtype="0" fill="hold" grpId="0" nodeType="clickEffect">
+                                  <p:stCondLst>
+                                    <p:cond delay="0"/>
+                                  </p:stCondLst>
+                                  <p:childTnLst>
+                                    <p:set>
+                                      <p:cBhvr>
+                                        <p:cTn id="13" dur="1" fill="hold">
+                                          <p:stCondLst>
+                                            <p:cond delay="0"/>
+                                          </p:stCondLst>
+                                        </p:cTn>
+                                        <p:tgtEl>
+                                          <p:spTgt spid="6"/>
+                                        </p:tgtEl>
+                                        <p:attrNameLst>
+                                          <p:attrName>style.visibility</p:attrName>
+                                        </p:attrNameLst>
+                                      </p:cBhvr>
+                                      <p:to>
+                                        <p:strVal val="visible"/>
+                                      </p:to>
+                                    </p:set>
+                                    <p:animEffect transition="in" filter="fade">
+                                      <p:cBhvr>
+                                        <p:cTn id="14" dur="1000"/>
+                                        <p:tgtEl>
+                                          <p:spTgt spid="6"/>
+                                        </p:tgtEl>
+                                      </p:cBhvr>
+                                    </p:animEffect>
+                                    <p:anim calcmode="lin" valueType="num">
+                                      <p:cBhvr>
+                                        <p:cTn id="15" dur="1000" fill="hold"/>
+                                        <p:tgtEl>
+                                          <p:spTgt spid="6"/>
+                                        </p:tgtEl>
+                                        <p:attrNameLst>
+                                          <p:attrName>ppt_x</p:attrName>
+                                        </p:attrNameLst>
+                                      </p:cBhvr>
+                                      <p:tavLst>
+                                        <p:tav tm="0">
+                                          <p:val>
+                                            <p:strVal val="#ppt_x"/>
+                                          </p:val>
+                                        </p:tav>
+                                        <p:tav tm="100000">
+                                          <p:val>
+                                            <p:strVal val="#ppt_x"/>
+                                          </p:val>
+                                        </p:tav>
+                                      </p:tavLst>
+                                    </p:anim>
+                                    <p:anim calcmode="lin" valueType="num">
+                                      <p:cBhvr>
+                                        <p:cTn id="16" dur="1000" fill="hold"/>
+                                        <p:tgtEl>
+                                          <p:spTgt spid="6"/>
+                                        </p:tgtEl>
+                                        <p:attrNameLst>
+                                          <p:attrName>ppt_y</p:attrName>
+                                        </p:attrNameLst>
+                                      </p:cBhvr>
+                                      <p:tavLst>
+                                        <p:tav tm="0">
+                                          <p:val>
+                                            <p:strVal val="#ppt_y+.1"/>
+                                          </p:val>
+                                        </p:tav>
+                                        <p:tav tm="100000">
+                                          <p:val>
+                                            <p:strVal val="#ppt_y"/>
+                                          </p:val>
+                                        </p:tav>
+                                      </p:tavLst>
+                                    </p:anim>
+                                  </p:childTnLst>
+                                </p:cTn>
+                              </p:par>
+                            </p:childTnLst>
+                          </p:cTn>
+                        </p:par>
+                      </p:childTnLst>
+                    </p:cTn>
+                  </p:par>
+                  <p:par>
+                    <p:cTn id="17" fill="hold">
+                      <p:stCondLst>
+                        <p:cond delay="indefinite"/>
+                      </p:stCondLst>
+                      <p:childTnLst>
+                        <p:par>
+                          <p:cTn id="18" fill="hold">
+                            <p:stCondLst>
+                              <p:cond delay="0"/>
+                            </p:stCondLst>
+                            <p:childTnLst>
+                              <p:par>
+                                <p:cTn id="19" presetID="42" presetClass="entr" presetSubtype="0" fill="hold" nodeType="clickEffect">
+                                  <p:stCondLst>
+                                    <p:cond delay="0"/>
+                                  </p:stCondLst>
+                                  <p:childTnLst>
+                                    <p:set>
+                                      <p:cBhvr>
+                                        <p:cTn id="20" dur="1" fill="hold">
+                                          <p:stCondLst>
+                                            <p:cond delay="0"/>
+                                          </p:stCondLst>
+                                        </p:cTn>
+                                        <p:tgtEl>
+                                          <p:spTgt spid="7"/>
+                                        </p:tgtEl>
+                                        <p:attrNameLst>
+                                          <p:attrName>style.visibility</p:attrName>
+                                        </p:attrNameLst>
+                                      </p:cBhvr>
+                                      <p:to>
+                                        <p:strVal val="visible"/>
+                                      </p:to>
+                                    </p:set>
+                                    <p:animEffect transition="in" filter="fade">
+                                      <p:cBhvr>
+                                        <p:cTn id="21" dur="1000"/>
+                                        <p:tgtEl>
+                                          <p:spTgt spid="7"/>
+                                        </p:tgtEl>
+                                      </p:cBhvr>
+                                    </p:animEffect>
+                                    <p:anim calcmode="lin" valueType="num">
+                                      <p:cBhvr>
+                                        <p:cTn id="22" dur="1000" fill="hold"/>
+                                        <p:tgtEl>
+                                          <p:spTgt spid="7"/>
+                                        </p:tgtEl>
+                                        <p:attrNameLst>
+                                          <p:attrName>ppt_x</p:attrName>
+                                        </p:attrNameLst>
+                                      </p:cBhvr>
+                                      <p:tavLst>
+                                        <p:tav tm="0">
+                                          <p:val>
+                                            <p:strVal val="#ppt_x"/>
+                                          </p:val>
+                                        </p:tav>
+                                        <p:tav tm="100000">
+                                          <p:val>
+                                            <p:strVal val="#ppt_x"/>
+                                          </p:val>
+                                        </p:tav>
+                                      </p:tavLst>
+                                    </p:anim>
+                                    <p:anim calcmode="lin" valueType="num">
+                                      <p:cBhvr>
+                                        <p:cTn id="23" dur="1000" fill="hold"/>
+                                        <p:tgtEl>
+                                          <p:spTgt spid="7"/>
+                                        </p:tgtEl>
+                                        <p:attrNameLst>
+                                          <p:attrName>ppt_y</p:attrName>
+                                        </p:attrNameLst>
+                                      </p:cBhvr>
+                                      <p:tavLst>
+                                        <p:tav tm="0">
+                                          <p:val>
+                                            <p:strVal val="#ppt_y+.1"/>
+                                          </p:val>
+                                        </p:tav>
+                                        <p:tav tm="100000">
+                                          <p:val>
+                                            <p:strVal val="#ppt_y"/>
+                                          </p:val>
+                                        </p:tav>
+                                      </p:tavLst>
+                                    </p:anim>
+                                  </p:childTnLst>
+                                </p:cTn>
+                              </p:par>
+                            </p:childTnLst>
+                          </p:cTn>
+                        </p:par>
+                      </p:childTnLst>
+                    </p:cTn>
+                  </p:par>
+                </p:childTnLst>
+              </p:cTn>
+              <p:prevCondLst>
+                <p:cond evt="onPrev" delay="0">
+                  <p:tgtEl>
+                    <p:sldTgt/>
+                  </p:tgtEl>
+                </p:cond>
+              </p:prevCondLst>
+              <p:nextCondLst>
+                <p:cond evt="onNext" delay="0">
+                  <p:tgtEl>
+                    <p:sldTgt/>
+                  </p:tgtEl>
+                </p:cond>
+              </p:nextCondLst>
+            </p:seq>
+          </p:childTnLst>
+        </p:cTn>
       </p:par>
     </p:tnLst>
+    <p:bldLst>
+      <p:bldP spid="5" grpId="0"/>
+      <p:bldP spid="6" grpId="0"/>
+    </p:bldLst>
   </p:timing>
 </p:sld>
 </file>
@@ -6566,7 +6894,950 @@
   <p:timing>
     <p:tnLst>
       <p:par>
-        <p:cTn id="1" dur="indefinite" restart="never" nodeType="tmRoot"/>
+        <p:cTn id="1" dur="indefinite" restart="never" nodeType="tmRoot">
+          <p:childTnLst>
+            <p:seq concurrent="1" nextAc="seek">
+              <p:cTn id="2" dur="indefinite" nodeType="mainSeq">
+                <p:childTnLst>
+                  <p:par>
+                    <p:cTn id="3" fill="hold">
+                      <p:stCondLst>
+                        <p:cond delay="indefinite"/>
+                      </p:stCondLst>
+                      <p:childTnLst>
+                        <p:par>
+                          <p:cTn id="4" fill="hold">
+                            <p:stCondLst>
+                              <p:cond delay="0"/>
+                            </p:stCondLst>
+                            <p:childTnLst>
+                              <p:par>
+                                <p:cTn id="5" presetID="42" presetClass="entr" presetSubtype="0" fill="hold" nodeType="clickEffect">
+                                  <p:stCondLst>
+                                    <p:cond delay="0"/>
+                                  </p:stCondLst>
+                                  <p:childTnLst>
+                                    <p:set>
+                                      <p:cBhvr>
+                                        <p:cTn id="6" dur="1" fill="hold">
+                                          <p:stCondLst>
+                                            <p:cond delay="0"/>
+                                          </p:stCondLst>
+                                        </p:cTn>
+                                        <p:tgtEl>
+                                          <p:spTgt spid="3">
+                                            <p:txEl>
+                                              <p:pRg st="0" end="0"/>
+                                            </p:txEl>
+                                          </p:spTgt>
+                                        </p:tgtEl>
+                                        <p:attrNameLst>
+                                          <p:attrName>style.visibility</p:attrName>
+                                        </p:attrNameLst>
+                                      </p:cBhvr>
+                                      <p:to>
+                                        <p:strVal val="visible"/>
+                                      </p:to>
+                                    </p:set>
+                                    <p:animEffect transition="in" filter="fade">
+                                      <p:cBhvr>
+                                        <p:cTn id="7" dur="1000"/>
+                                        <p:tgtEl>
+                                          <p:spTgt spid="3">
+                                            <p:txEl>
+                                              <p:pRg st="0" end="0"/>
+                                            </p:txEl>
+                                          </p:spTgt>
+                                        </p:tgtEl>
+                                      </p:cBhvr>
+                                    </p:animEffect>
+                                    <p:anim calcmode="lin" valueType="num">
+                                      <p:cBhvr>
+                                        <p:cTn id="8" dur="1000" fill="hold"/>
+                                        <p:tgtEl>
+                                          <p:spTgt spid="3">
+                                            <p:txEl>
+                                              <p:pRg st="0" end="0"/>
+                                            </p:txEl>
+                                          </p:spTgt>
+                                        </p:tgtEl>
+                                        <p:attrNameLst>
+                                          <p:attrName>ppt_x</p:attrName>
+                                        </p:attrNameLst>
+                                      </p:cBhvr>
+                                      <p:tavLst>
+                                        <p:tav tm="0">
+                                          <p:val>
+                                            <p:strVal val="#ppt_x"/>
+                                          </p:val>
+                                        </p:tav>
+                                        <p:tav tm="100000">
+                                          <p:val>
+                                            <p:strVal val="#ppt_x"/>
+                                          </p:val>
+                                        </p:tav>
+                                      </p:tavLst>
+                                    </p:anim>
+                                    <p:anim calcmode="lin" valueType="num">
+                                      <p:cBhvr>
+                                        <p:cTn id="9" dur="1000" fill="hold"/>
+                                        <p:tgtEl>
+                                          <p:spTgt spid="3">
+                                            <p:txEl>
+                                              <p:pRg st="0" end="0"/>
+                                            </p:txEl>
+                                          </p:spTgt>
+                                        </p:tgtEl>
+                                        <p:attrNameLst>
+                                          <p:attrName>ppt_y</p:attrName>
+                                        </p:attrNameLst>
+                                      </p:cBhvr>
+                                      <p:tavLst>
+                                        <p:tav tm="0">
+                                          <p:val>
+                                            <p:strVal val="#ppt_y+.1"/>
+                                          </p:val>
+                                        </p:tav>
+                                        <p:tav tm="100000">
+                                          <p:val>
+                                            <p:strVal val="#ppt_y"/>
+                                          </p:val>
+                                        </p:tav>
+                                      </p:tavLst>
+                                    </p:anim>
+                                  </p:childTnLst>
+                                </p:cTn>
+                              </p:par>
+                            </p:childTnLst>
+                          </p:cTn>
+                        </p:par>
+                      </p:childTnLst>
+                    </p:cTn>
+                  </p:par>
+                  <p:par>
+                    <p:cTn id="10" fill="hold">
+                      <p:stCondLst>
+                        <p:cond delay="indefinite"/>
+                      </p:stCondLst>
+                      <p:childTnLst>
+                        <p:par>
+                          <p:cTn id="11" fill="hold">
+                            <p:stCondLst>
+                              <p:cond delay="0"/>
+                            </p:stCondLst>
+                            <p:childTnLst>
+                              <p:par>
+                                <p:cTn id="12" presetID="42" presetClass="entr" presetSubtype="0" fill="hold" nodeType="clickEffect">
+                                  <p:stCondLst>
+                                    <p:cond delay="0"/>
+                                  </p:stCondLst>
+                                  <p:childTnLst>
+                                    <p:set>
+                                      <p:cBhvr>
+                                        <p:cTn id="13" dur="1" fill="hold">
+                                          <p:stCondLst>
+                                            <p:cond delay="0"/>
+                                          </p:stCondLst>
+                                        </p:cTn>
+                                        <p:tgtEl>
+                                          <p:spTgt spid="3">
+                                            <p:txEl>
+                                              <p:pRg st="1" end="1"/>
+                                            </p:txEl>
+                                          </p:spTgt>
+                                        </p:tgtEl>
+                                        <p:attrNameLst>
+                                          <p:attrName>style.visibility</p:attrName>
+                                        </p:attrNameLst>
+                                      </p:cBhvr>
+                                      <p:to>
+                                        <p:strVal val="visible"/>
+                                      </p:to>
+                                    </p:set>
+                                    <p:animEffect transition="in" filter="fade">
+                                      <p:cBhvr>
+                                        <p:cTn id="14" dur="1000"/>
+                                        <p:tgtEl>
+                                          <p:spTgt spid="3">
+                                            <p:txEl>
+                                              <p:pRg st="1" end="1"/>
+                                            </p:txEl>
+                                          </p:spTgt>
+                                        </p:tgtEl>
+                                      </p:cBhvr>
+                                    </p:animEffect>
+                                    <p:anim calcmode="lin" valueType="num">
+                                      <p:cBhvr>
+                                        <p:cTn id="15" dur="1000" fill="hold"/>
+                                        <p:tgtEl>
+                                          <p:spTgt spid="3">
+                                            <p:txEl>
+                                              <p:pRg st="1" end="1"/>
+                                            </p:txEl>
+                                          </p:spTgt>
+                                        </p:tgtEl>
+                                        <p:attrNameLst>
+                                          <p:attrName>ppt_x</p:attrName>
+                                        </p:attrNameLst>
+                                      </p:cBhvr>
+                                      <p:tavLst>
+                                        <p:tav tm="0">
+                                          <p:val>
+                                            <p:strVal val="#ppt_x"/>
+                                          </p:val>
+                                        </p:tav>
+                                        <p:tav tm="100000">
+                                          <p:val>
+                                            <p:strVal val="#ppt_x"/>
+                                          </p:val>
+                                        </p:tav>
+                                      </p:tavLst>
+                                    </p:anim>
+                                    <p:anim calcmode="lin" valueType="num">
+                                      <p:cBhvr>
+                                        <p:cTn id="16" dur="1000" fill="hold"/>
+                                        <p:tgtEl>
+                                          <p:spTgt spid="3">
+                                            <p:txEl>
+                                              <p:pRg st="1" end="1"/>
+                                            </p:txEl>
+                                          </p:spTgt>
+                                        </p:tgtEl>
+                                        <p:attrNameLst>
+                                          <p:attrName>ppt_y</p:attrName>
+                                        </p:attrNameLst>
+                                      </p:cBhvr>
+                                      <p:tavLst>
+                                        <p:tav tm="0">
+                                          <p:val>
+                                            <p:strVal val="#ppt_y+.1"/>
+                                          </p:val>
+                                        </p:tav>
+                                        <p:tav tm="100000">
+                                          <p:val>
+                                            <p:strVal val="#ppt_y"/>
+                                          </p:val>
+                                        </p:tav>
+                                      </p:tavLst>
+                                    </p:anim>
+                                  </p:childTnLst>
+                                </p:cTn>
+                              </p:par>
+                            </p:childTnLst>
+                          </p:cTn>
+                        </p:par>
+                      </p:childTnLst>
+                    </p:cTn>
+                  </p:par>
+                  <p:par>
+                    <p:cTn id="17" fill="hold">
+                      <p:stCondLst>
+                        <p:cond delay="indefinite"/>
+                      </p:stCondLst>
+                      <p:childTnLst>
+                        <p:par>
+                          <p:cTn id="18" fill="hold">
+                            <p:stCondLst>
+                              <p:cond delay="0"/>
+                            </p:stCondLst>
+                            <p:childTnLst>
+                              <p:par>
+                                <p:cTn id="19" presetID="42" presetClass="entr" presetSubtype="0" fill="hold" nodeType="clickEffect">
+                                  <p:stCondLst>
+                                    <p:cond delay="0"/>
+                                  </p:stCondLst>
+                                  <p:childTnLst>
+                                    <p:set>
+                                      <p:cBhvr>
+                                        <p:cTn id="20" dur="1" fill="hold">
+                                          <p:stCondLst>
+                                            <p:cond delay="0"/>
+                                          </p:stCondLst>
+                                        </p:cTn>
+                                        <p:tgtEl>
+                                          <p:spTgt spid="3">
+                                            <p:txEl>
+                                              <p:pRg st="3" end="3"/>
+                                            </p:txEl>
+                                          </p:spTgt>
+                                        </p:tgtEl>
+                                        <p:attrNameLst>
+                                          <p:attrName>style.visibility</p:attrName>
+                                        </p:attrNameLst>
+                                      </p:cBhvr>
+                                      <p:to>
+                                        <p:strVal val="visible"/>
+                                      </p:to>
+                                    </p:set>
+                                    <p:animEffect transition="in" filter="fade">
+                                      <p:cBhvr>
+                                        <p:cTn id="21" dur="1000"/>
+                                        <p:tgtEl>
+                                          <p:spTgt spid="3">
+                                            <p:txEl>
+                                              <p:pRg st="3" end="3"/>
+                                            </p:txEl>
+                                          </p:spTgt>
+                                        </p:tgtEl>
+                                      </p:cBhvr>
+                                    </p:animEffect>
+                                    <p:anim calcmode="lin" valueType="num">
+                                      <p:cBhvr>
+                                        <p:cTn id="22" dur="1000" fill="hold"/>
+                                        <p:tgtEl>
+                                          <p:spTgt spid="3">
+                                            <p:txEl>
+                                              <p:pRg st="3" end="3"/>
+                                            </p:txEl>
+                                          </p:spTgt>
+                                        </p:tgtEl>
+                                        <p:attrNameLst>
+                                          <p:attrName>ppt_x</p:attrName>
+                                        </p:attrNameLst>
+                                      </p:cBhvr>
+                                      <p:tavLst>
+                                        <p:tav tm="0">
+                                          <p:val>
+                                            <p:strVal val="#ppt_x"/>
+                                          </p:val>
+                                        </p:tav>
+                                        <p:tav tm="100000">
+                                          <p:val>
+                                            <p:strVal val="#ppt_x"/>
+                                          </p:val>
+                                        </p:tav>
+                                      </p:tavLst>
+                                    </p:anim>
+                                    <p:anim calcmode="lin" valueType="num">
+                                      <p:cBhvr>
+                                        <p:cTn id="23" dur="1000" fill="hold"/>
+                                        <p:tgtEl>
+                                          <p:spTgt spid="3">
+                                            <p:txEl>
+                                              <p:pRg st="3" end="3"/>
+                                            </p:txEl>
+                                          </p:spTgt>
+                                        </p:tgtEl>
+                                        <p:attrNameLst>
+                                          <p:attrName>ppt_y</p:attrName>
+                                        </p:attrNameLst>
+                                      </p:cBhvr>
+                                      <p:tavLst>
+                                        <p:tav tm="0">
+                                          <p:val>
+                                            <p:strVal val="#ppt_y+.1"/>
+                                          </p:val>
+                                        </p:tav>
+                                        <p:tav tm="100000">
+                                          <p:val>
+                                            <p:strVal val="#ppt_y"/>
+                                          </p:val>
+                                        </p:tav>
+                                      </p:tavLst>
+                                    </p:anim>
+                                  </p:childTnLst>
+                                </p:cTn>
+                              </p:par>
+                            </p:childTnLst>
+                          </p:cTn>
+                        </p:par>
+                      </p:childTnLst>
+                    </p:cTn>
+                  </p:par>
+                  <p:par>
+                    <p:cTn id="24" fill="hold">
+                      <p:stCondLst>
+                        <p:cond delay="indefinite"/>
+                      </p:stCondLst>
+                      <p:childTnLst>
+                        <p:par>
+                          <p:cTn id="25" fill="hold">
+                            <p:stCondLst>
+                              <p:cond delay="0"/>
+                            </p:stCondLst>
+                            <p:childTnLst>
+                              <p:par>
+                                <p:cTn id="26" presetID="42" presetClass="entr" presetSubtype="0" fill="hold" nodeType="clickEffect">
+                                  <p:stCondLst>
+                                    <p:cond delay="0"/>
+                                  </p:stCondLst>
+                                  <p:childTnLst>
+                                    <p:set>
+                                      <p:cBhvr>
+                                        <p:cTn id="27" dur="1" fill="hold">
+                                          <p:stCondLst>
+                                            <p:cond delay="0"/>
+                                          </p:stCondLst>
+                                        </p:cTn>
+                                        <p:tgtEl>
+                                          <p:spTgt spid="3">
+                                            <p:txEl>
+                                              <p:pRg st="5" end="5"/>
+                                            </p:txEl>
+                                          </p:spTgt>
+                                        </p:tgtEl>
+                                        <p:attrNameLst>
+                                          <p:attrName>style.visibility</p:attrName>
+                                        </p:attrNameLst>
+                                      </p:cBhvr>
+                                      <p:to>
+                                        <p:strVal val="visible"/>
+                                      </p:to>
+                                    </p:set>
+                                    <p:animEffect transition="in" filter="fade">
+                                      <p:cBhvr>
+                                        <p:cTn id="28" dur="1000"/>
+                                        <p:tgtEl>
+                                          <p:spTgt spid="3">
+                                            <p:txEl>
+                                              <p:pRg st="5" end="5"/>
+                                            </p:txEl>
+                                          </p:spTgt>
+                                        </p:tgtEl>
+                                      </p:cBhvr>
+                                    </p:animEffect>
+                                    <p:anim calcmode="lin" valueType="num">
+                                      <p:cBhvr>
+                                        <p:cTn id="29" dur="1000" fill="hold"/>
+                                        <p:tgtEl>
+                                          <p:spTgt spid="3">
+                                            <p:txEl>
+                                              <p:pRg st="5" end="5"/>
+                                            </p:txEl>
+                                          </p:spTgt>
+                                        </p:tgtEl>
+                                        <p:attrNameLst>
+                                          <p:attrName>ppt_x</p:attrName>
+                                        </p:attrNameLst>
+                                      </p:cBhvr>
+                                      <p:tavLst>
+                                        <p:tav tm="0">
+                                          <p:val>
+                                            <p:strVal val="#ppt_x"/>
+                                          </p:val>
+                                        </p:tav>
+                                        <p:tav tm="100000">
+                                          <p:val>
+                                            <p:strVal val="#ppt_x"/>
+                                          </p:val>
+                                        </p:tav>
+                                      </p:tavLst>
+                                    </p:anim>
+                                    <p:anim calcmode="lin" valueType="num">
+                                      <p:cBhvr>
+                                        <p:cTn id="30" dur="1000" fill="hold"/>
+                                        <p:tgtEl>
+                                          <p:spTgt spid="3">
+                                            <p:txEl>
+                                              <p:pRg st="5" end="5"/>
+                                            </p:txEl>
+                                          </p:spTgt>
+                                        </p:tgtEl>
+                                        <p:attrNameLst>
+                                          <p:attrName>ppt_y</p:attrName>
+                                        </p:attrNameLst>
+                                      </p:cBhvr>
+                                      <p:tavLst>
+                                        <p:tav tm="0">
+                                          <p:val>
+                                            <p:strVal val="#ppt_y+.1"/>
+                                          </p:val>
+                                        </p:tav>
+                                        <p:tav tm="100000">
+                                          <p:val>
+                                            <p:strVal val="#ppt_y"/>
+                                          </p:val>
+                                        </p:tav>
+                                      </p:tavLst>
+                                    </p:anim>
+                                  </p:childTnLst>
+                                </p:cTn>
+                              </p:par>
+                            </p:childTnLst>
+                          </p:cTn>
+                        </p:par>
+                      </p:childTnLst>
+                    </p:cTn>
+                  </p:par>
+                  <p:par>
+                    <p:cTn id="31" fill="hold">
+                      <p:stCondLst>
+                        <p:cond delay="indefinite"/>
+                      </p:stCondLst>
+                      <p:childTnLst>
+                        <p:par>
+                          <p:cTn id="32" fill="hold">
+                            <p:stCondLst>
+                              <p:cond delay="0"/>
+                            </p:stCondLst>
+                            <p:childTnLst>
+                              <p:par>
+                                <p:cTn id="33" presetID="42" presetClass="entr" presetSubtype="0" fill="hold" nodeType="clickEffect">
+                                  <p:stCondLst>
+                                    <p:cond delay="0"/>
+                                  </p:stCondLst>
+                                  <p:childTnLst>
+                                    <p:set>
+                                      <p:cBhvr>
+                                        <p:cTn id="34" dur="1" fill="hold">
+                                          <p:stCondLst>
+                                            <p:cond delay="0"/>
+                                          </p:stCondLst>
+                                        </p:cTn>
+                                        <p:tgtEl>
+                                          <p:spTgt spid="3">
+                                            <p:txEl>
+                                              <p:pRg st="6" end="6"/>
+                                            </p:txEl>
+                                          </p:spTgt>
+                                        </p:tgtEl>
+                                        <p:attrNameLst>
+                                          <p:attrName>style.visibility</p:attrName>
+                                        </p:attrNameLst>
+                                      </p:cBhvr>
+                                      <p:to>
+                                        <p:strVal val="visible"/>
+                                      </p:to>
+                                    </p:set>
+                                    <p:animEffect transition="in" filter="fade">
+                                      <p:cBhvr>
+                                        <p:cTn id="35" dur="1000"/>
+                                        <p:tgtEl>
+                                          <p:spTgt spid="3">
+                                            <p:txEl>
+                                              <p:pRg st="6" end="6"/>
+                                            </p:txEl>
+                                          </p:spTgt>
+                                        </p:tgtEl>
+                                      </p:cBhvr>
+                                    </p:animEffect>
+                                    <p:anim calcmode="lin" valueType="num">
+                                      <p:cBhvr>
+                                        <p:cTn id="36" dur="1000" fill="hold"/>
+                                        <p:tgtEl>
+                                          <p:spTgt spid="3">
+                                            <p:txEl>
+                                              <p:pRg st="6" end="6"/>
+                                            </p:txEl>
+                                          </p:spTgt>
+                                        </p:tgtEl>
+                                        <p:attrNameLst>
+                                          <p:attrName>ppt_x</p:attrName>
+                                        </p:attrNameLst>
+                                      </p:cBhvr>
+                                      <p:tavLst>
+                                        <p:tav tm="0">
+                                          <p:val>
+                                            <p:strVal val="#ppt_x"/>
+                                          </p:val>
+                                        </p:tav>
+                                        <p:tav tm="100000">
+                                          <p:val>
+                                            <p:strVal val="#ppt_x"/>
+                                          </p:val>
+                                        </p:tav>
+                                      </p:tavLst>
+                                    </p:anim>
+                                    <p:anim calcmode="lin" valueType="num">
+                                      <p:cBhvr>
+                                        <p:cTn id="37" dur="1000" fill="hold"/>
+                                        <p:tgtEl>
+                                          <p:spTgt spid="3">
+                                            <p:txEl>
+                                              <p:pRg st="6" end="6"/>
+                                            </p:txEl>
+                                          </p:spTgt>
+                                        </p:tgtEl>
+                                        <p:attrNameLst>
+                                          <p:attrName>ppt_y</p:attrName>
+                                        </p:attrNameLst>
+                                      </p:cBhvr>
+                                      <p:tavLst>
+                                        <p:tav tm="0">
+                                          <p:val>
+                                            <p:strVal val="#ppt_y+.1"/>
+                                          </p:val>
+                                        </p:tav>
+                                        <p:tav tm="100000">
+                                          <p:val>
+                                            <p:strVal val="#ppt_y"/>
+                                          </p:val>
+                                        </p:tav>
+                                      </p:tavLst>
+                                    </p:anim>
+                                  </p:childTnLst>
+                                </p:cTn>
+                              </p:par>
+                            </p:childTnLst>
+                          </p:cTn>
+                        </p:par>
+                      </p:childTnLst>
+                    </p:cTn>
+                  </p:par>
+                  <p:par>
+                    <p:cTn id="38" fill="hold">
+                      <p:stCondLst>
+                        <p:cond delay="indefinite"/>
+                      </p:stCondLst>
+                      <p:childTnLst>
+                        <p:par>
+                          <p:cTn id="39" fill="hold">
+                            <p:stCondLst>
+                              <p:cond delay="0"/>
+                            </p:stCondLst>
+                            <p:childTnLst>
+                              <p:par>
+                                <p:cTn id="40" presetID="42" presetClass="entr" presetSubtype="0" fill="hold" nodeType="clickEffect">
+                                  <p:stCondLst>
+                                    <p:cond delay="0"/>
+                                  </p:stCondLst>
+                                  <p:childTnLst>
+                                    <p:set>
+                                      <p:cBhvr>
+                                        <p:cTn id="41" dur="1" fill="hold">
+                                          <p:stCondLst>
+                                            <p:cond delay="0"/>
+                                          </p:stCondLst>
+                                        </p:cTn>
+                                        <p:tgtEl>
+                                          <p:spTgt spid="3">
+                                            <p:txEl>
+                                              <p:pRg st="7" end="7"/>
+                                            </p:txEl>
+                                          </p:spTgt>
+                                        </p:tgtEl>
+                                        <p:attrNameLst>
+                                          <p:attrName>style.visibility</p:attrName>
+                                        </p:attrNameLst>
+                                      </p:cBhvr>
+                                      <p:to>
+                                        <p:strVal val="visible"/>
+                                      </p:to>
+                                    </p:set>
+                                    <p:animEffect transition="in" filter="fade">
+                                      <p:cBhvr>
+                                        <p:cTn id="42" dur="1000"/>
+                                        <p:tgtEl>
+                                          <p:spTgt spid="3">
+                                            <p:txEl>
+                                              <p:pRg st="7" end="7"/>
+                                            </p:txEl>
+                                          </p:spTgt>
+                                        </p:tgtEl>
+                                      </p:cBhvr>
+                                    </p:animEffect>
+                                    <p:anim calcmode="lin" valueType="num">
+                                      <p:cBhvr>
+                                        <p:cTn id="43" dur="1000" fill="hold"/>
+                                        <p:tgtEl>
+                                          <p:spTgt spid="3">
+                                            <p:txEl>
+                                              <p:pRg st="7" end="7"/>
+                                            </p:txEl>
+                                          </p:spTgt>
+                                        </p:tgtEl>
+                                        <p:attrNameLst>
+                                          <p:attrName>ppt_x</p:attrName>
+                                        </p:attrNameLst>
+                                      </p:cBhvr>
+                                      <p:tavLst>
+                                        <p:tav tm="0">
+                                          <p:val>
+                                            <p:strVal val="#ppt_x"/>
+                                          </p:val>
+                                        </p:tav>
+                                        <p:tav tm="100000">
+                                          <p:val>
+                                            <p:strVal val="#ppt_x"/>
+                                          </p:val>
+                                        </p:tav>
+                                      </p:tavLst>
+                                    </p:anim>
+                                    <p:anim calcmode="lin" valueType="num">
+                                      <p:cBhvr>
+                                        <p:cTn id="44" dur="1000" fill="hold"/>
+                                        <p:tgtEl>
+                                          <p:spTgt spid="3">
+                                            <p:txEl>
+                                              <p:pRg st="7" end="7"/>
+                                            </p:txEl>
+                                          </p:spTgt>
+                                        </p:tgtEl>
+                                        <p:attrNameLst>
+                                          <p:attrName>ppt_y</p:attrName>
+                                        </p:attrNameLst>
+                                      </p:cBhvr>
+                                      <p:tavLst>
+                                        <p:tav tm="0">
+                                          <p:val>
+                                            <p:strVal val="#ppt_y+.1"/>
+                                          </p:val>
+                                        </p:tav>
+                                        <p:tav tm="100000">
+                                          <p:val>
+                                            <p:strVal val="#ppt_y"/>
+                                          </p:val>
+                                        </p:tav>
+                                      </p:tavLst>
+                                    </p:anim>
+                                  </p:childTnLst>
+                                </p:cTn>
+                              </p:par>
+                            </p:childTnLst>
+                          </p:cTn>
+                        </p:par>
+                      </p:childTnLst>
+                    </p:cTn>
+                  </p:par>
+                  <p:par>
+                    <p:cTn id="45" fill="hold">
+                      <p:stCondLst>
+                        <p:cond delay="indefinite"/>
+                      </p:stCondLst>
+                      <p:childTnLst>
+                        <p:par>
+                          <p:cTn id="46" fill="hold">
+                            <p:stCondLst>
+                              <p:cond delay="0"/>
+                            </p:stCondLst>
+                            <p:childTnLst>
+                              <p:par>
+                                <p:cTn id="47" presetID="42" presetClass="entr" presetSubtype="0" fill="hold" nodeType="clickEffect">
+                                  <p:stCondLst>
+                                    <p:cond delay="0"/>
+                                  </p:stCondLst>
+                                  <p:childTnLst>
+                                    <p:set>
+                                      <p:cBhvr>
+                                        <p:cTn id="48" dur="1" fill="hold">
+                                          <p:stCondLst>
+                                            <p:cond delay="0"/>
+                                          </p:stCondLst>
+                                        </p:cTn>
+                                        <p:tgtEl>
+                                          <p:spTgt spid="3">
+                                            <p:txEl>
+                                              <p:pRg st="8" end="8"/>
+                                            </p:txEl>
+                                          </p:spTgt>
+                                        </p:tgtEl>
+                                        <p:attrNameLst>
+                                          <p:attrName>style.visibility</p:attrName>
+                                        </p:attrNameLst>
+                                      </p:cBhvr>
+                                      <p:to>
+                                        <p:strVal val="visible"/>
+                                      </p:to>
+                                    </p:set>
+                                    <p:animEffect transition="in" filter="fade">
+                                      <p:cBhvr>
+                                        <p:cTn id="49" dur="1000"/>
+                                        <p:tgtEl>
+                                          <p:spTgt spid="3">
+                                            <p:txEl>
+                                              <p:pRg st="8" end="8"/>
+                                            </p:txEl>
+                                          </p:spTgt>
+                                        </p:tgtEl>
+                                      </p:cBhvr>
+                                    </p:animEffect>
+                                    <p:anim calcmode="lin" valueType="num">
+                                      <p:cBhvr>
+                                        <p:cTn id="50" dur="1000" fill="hold"/>
+                                        <p:tgtEl>
+                                          <p:spTgt spid="3">
+                                            <p:txEl>
+                                              <p:pRg st="8" end="8"/>
+                                            </p:txEl>
+                                          </p:spTgt>
+                                        </p:tgtEl>
+                                        <p:attrNameLst>
+                                          <p:attrName>ppt_x</p:attrName>
+                                        </p:attrNameLst>
+                                      </p:cBhvr>
+                                      <p:tavLst>
+                                        <p:tav tm="0">
+                                          <p:val>
+                                            <p:strVal val="#ppt_x"/>
+                                          </p:val>
+                                        </p:tav>
+                                        <p:tav tm="100000">
+                                          <p:val>
+                                            <p:strVal val="#ppt_x"/>
+                                          </p:val>
+                                        </p:tav>
+                                      </p:tavLst>
+                                    </p:anim>
+                                    <p:anim calcmode="lin" valueType="num">
+                                      <p:cBhvr>
+                                        <p:cTn id="51" dur="1000" fill="hold"/>
+                                        <p:tgtEl>
+                                          <p:spTgt spid="3">
+                                            <p:txEl>
+                                              <p:pRg st="8" end="8"/>
+                                            </p:txEl>
+                                          </p:spTgt>
+                                        </p:tgtEl>
+                                        <p:attrNameLst>
+                                          <p:attrName>ppt_y</p:attrName>
+                                        </p:attrNameLst>
+                                      </p:cBhvr>
+                                      <p:tavLst>
+                                        <p:tav tm="0">
+                                          <p:val>
+                                            <p:strVal val="#ppt_y+.1"/>
+                                          </p:val>
+                                        </p:tav>
+                                        <p:tav tm="100000">
+                                          <p:val>
+                                            <p:strVal val="#ppt_y"/>
+                                          </p:val>
+                                        </p:tav>
+                                      </p:tavLst>
+                                    </p:anim>
+                                  </p:childTnLst>
+                                </p:cTn>
+                              </p:par>
+                            </p:childTnLst>
+                          </p:cTn>
+                        </p:par>
+                      </p:childTnLst>
+                    </p:cTn>
+                  </p:par>
+                  <p:par>
+                    <p:cTn id="52" fill="hold">
+                      <p:stCondLst>
+                        <p:cond delay="indefinite"/>
+                      </p:stCondLst>
+                      <p:childTnLst>
+                        <p:par>
+                          <p:cTn id="53" fill="hold">
+                            <p:stCondLst>
+                              <p:cond delay="0"/>
+                            </p:stCondLst>
+                            <p:childTnLst>
+                              <p:par>
+                                <p:cTn id="54" presetID="42" presetClass="entr" presetSubtype="0" fill="hold" nodeType="clickEffect">
+                                  <p:stCondLst>
+                                    <p:cond delay="0"/>
+                                  </p:stCondLst>
+                                  <p:childTnLst>
+                                    <p:set>
+                                      <p:cBhvr>
+                                        <p:cTn id="55" dur="1" fill="hold">
+                                          <p:stCondLst>
+                                            <p:cond delay="0"/>
+                                          </p:stCondLst>
+                                        </p:cTn>
+                                        <p:tgtEl>
+                                          <p:spTgt spid="3">
+                                            <p:txEl>
+                                              <p:pRg st="9" end="9"/>
+                                            </p:txEl>
+                                          </p:spTgt>
+                                        </p:tgtEl>
+                                        <p:attrNameLst>
+                                          <p:attrName>style.visibility</p:attrName>
+                                        </p:attrNameLst>
+                                      </p:cBhvr>
+                                      <p:to>
+                                        <p:strVal val="visible"/>
+                                      </p:to>
+                                    </p:set>
+                                    <p:animEffect transition="in" filter="fade">
+                                      <p:cBhvr>
+                                        <p:cTn id="56" dur="1000"/>
+                                        <p:tgtEl>
+                                          <p:spTgt spid="3">
+                                            <p:txEl>
+                                              <p:pRg st="9" end="9"/>
+                                            </p:txEl>
+                                          </p:spTgt>
+                                        </p:tgtEl>
+                                      </p:cBhvr>
+                                    </p:animEffect>
+                                    <p:anim calcmode="lin" valueType="num">
+                                      <p:cBhvr>
+                                        <p:cTn id="57" dur="1000" fill="hold"/>
+                                        <p:tgtEl>
+                                          <p:spTgt spid="3">
+                                            <p:txEl>
+                                              <p:pRg st="9" end="9"/>
+                                            </p:txEl>
+                                          </p:spTgt>
+                                        </p:tgtEl>
+                                        <p:attrNameLst>
+                                          <p:attrName>ppt_x</p:attrName>
+                                        </p:attrNameLst>
+                                      </p:cBhvr>
+                                      <p:tavLst>
+                                        <p:tav tm="0">
+                                          <p:val>
+                                            <p:strVal val="#ppt_x"/>
+                                          </p:val>
+                                        </p:tav>
+                                        <p:tav tm="100000">
+                                          <p:val>
+                                            <p:strVal val="#ppt_x"/>
+                                          </p:val>
+                                        </p:tav>
+                                      </p:tavLst>
+                                    </p:anim>
+                                    <p:anim calcmode="lin" valueType="num">
+                                      <p:cBhvr>
+                                        <p:cTn id="58" dur="1000" fill="hold"/>
+                                        <p:tgtEl>
+                                          <p:spTgt spid="3">
+                                            <p:txEl>
+                                              <p:pRg st="9" end="9"/>
+                                            </p:txEl>
+                                          </p:spTgt>
+                                        </p:tgtEl>
+                                        <p:attrNameLst>
+                                          <p:attrName>ppt_y</p:attrName>
+                                        </p:attrNameLst>
+                                      </p:cBhvr>
+                                      <p:tavLst>
+                                        <p:tav tm="0">
+                                          <p:val>
+                                            <p:strVal val="#ppt_y+.1"/>
+                                          </p:val>
+                                        </p:tav>
+                                        <p:tav tm="100000">
+                                          <p:val>
+                                            <p:strVal val="#ppt_y"/>
+                                          </p:val>
+                                        </p:tav>
+                                      </p:tavLst>
+                                    </p:anim>
+                                  </p:childTnLst>
+                                </p:cTn>
+                              </p:par>
+                            </p:childTnLst>
+                          </p:cTn>
+                        </p:par>
+                      </p:childTnLst>
+                    </p:cTn>
+                  </p:par>
+                </p:childTnLst>
+              </p:cTn>
+              <p:prevCondLst>
+                <p:cond evt="onPrev" delay="0">
+                  <p:tgtEl>
+                    <p:sldTgt/>
+                  </p:tgtEl>
+                </p:cond>
+              </p:prevCondLst>
+              <p:nextCondLst>
+                <p:cond evt="onNext" delay="0">
+                  <p:tgtEl>
+                    <p:sldTgt/>
+                  </p:tgtEl>
+                </p:cond>
+              </p:nextCondLst>
+            </p:seq>
+          </p:childTnLst>
+        </p:cTn>
       </p:par>
     </p:tnLst>
   </p:timing>
@@ -6645,7 +7916,7 @@
         </p:blipFill>
         <p:spPr>
           <a:xfrm>
-            <a:off x="2647681" y="649900"/>
+            <a:off x="2543577" y="649900"/>
             <a:ext cx="6444804" cy="4334224"/>
           </a:xfrm>
           <a:prstGeom prst="rect">
@@ -6720,7 +7991,589 @@
   <p:timing>
     <p:tnLst>
       <p:par>
-        <p:cTn id="1" dur="indefinite" restart="never" nodeType="tmRoot"/>
+        <p:cTn id="1" dur="indefinite" restart="never" nodeType="tmRoot">
+          <p:childTnLst>
+            <p:seq concurrent="1" nextAc="seek">
+              <p:cTn id="2" dur="indefinite" nodeType="mainSeq">
+                <p:childTnLst>
+                  <p:par>
+                    <p:cTn id="3" fill="hold">
+                      <p:stCondLst>
+                        <p:cond delay="indefinite"/>
+                      </p:stCondLst>
+                      <p:childTnLst>
+                        <p:par>
+                          <p:cTn id="4" fill="hold">
+                            <p:stCondLst>
+                              <p:cond delay="0"/>
+                            </p:stCondLst>
+                            <p:childTnLst>
+                              <p:par>
+                                <p:cTn id="5" presetID="42" presetClass="entr" presetSubtype="0" fill="hold" nodeType="clickEffect">
+                                  <p:stCondLst>
+                                    <p:cond delay="0"/>
+                                  </p:stCondLst>
+                                  <p:childTnLst>
+                                    <p:set>
+                                      <p:cBhvr>
+                                        <p:cTn id="6" dur="1" fill="hold">
+                                          <p:stCondLst>
+                                            <p:cond delay="0"/>
+                                          </p:stCondLst>
+                                        </p:cTn>
+                                        <p:tgtEl>
+                                          <p:spTgt spid="5">
+                                            <p:txEl>
+                                              <p:pRg st="0" end="0"/>
+                                            </p:txEl>
+                                          </p:spTgt>
+                                        </p:tgtEl>
+                                        <p:attrNameLst>
+                                          <p:attrName>style.visibility</p:attrName>
+                                        </p:attrNameLst>
+                                      </p:cBhvr>
+                                      <p:to>
+                                        <p:strVal val="visible"/>
+                                      </p:to>
+                                    </p:set>
+                                    <p:animEffect transition="in" filter="fade">
+                                      <p:cBhvr>
+                                        <p:cTn id="7" dur="1000"/>
+                                        <p:tgtEl>
+                                          <p:spTgt spid="5">
+                                            <p:txEl>
+                                              <p:pRg st="0" end="0"/>
+                                            </p:txEl>
+                                          </p:spTgt>
+                                        </p:tgtEl>
+                                      </p:cBhvr>
+                                    </p:animEffect>
+                                    <p:anim calcmode="lin" valueType="num">
+                                      <p:cBhvr>
+                                        <p:cTn id="8" dur="1000" fill="hold"/>
+                                        <p:tgtEl>
+                                          <p:spTgt spid="5">
+                                            <p:txEl>
+                                              <p:pRg st="0" end="0"/>
+                                            </p:txEl>
+                                          </p:spTgt>
+                                        </p:tgtEl>
+                                        <p:attrNameLst>
+                                          <p:attrName>ppt_x</p:attrName>
+                                        </p:attrNameLst>
+                                      </p:cBhvr>
+                                      <p:tavLst>
+                                        <p:tav tm="0">
+                                          <p:val>
+                                            <p:strVal val="#ppt_x"/>
+                                          </p:val>
+                                        </p:tav>
+                                        <p:tav tm="100000">
+                                          <p:val>
+                                            <p:strVal val="#ppt_x"/>
+                                          </p:val>
+                                        </p:tav>
+                                      </p:tavLst>
+                                    </p:anim>
+                                    <p:anim calcmode="lin" valueType="num">
+                                      <p:cBhvr>
+                                        <p:cTn id="9" dur="1000" fill="hold"/>
+                                        <p:tgtEl>
+                                          <p:spTgt spid="5">
+                                            <p:txEl>
+                                              <p:pRg st="0" end="0"/>
+                                            </p:txEl>
+                                          </p:spTgt>
+                                        </p:tgtEl>
+                                        <p:attrNameLst>
+                                          <p:attrName>ppt_y</p:attrName>
+                                        </p:attrNameLst>
+                                      </p:cBhvr>
+                                      <p:tavLst>
+                                        <p:tav tm="0">
+                                          <p:val>
+                                            <p:strVal val="#ppt_y+.1"/>
+                                          </p:val>
+                                        </p:tav>
+                                        <p:tav tm="100000">
+                                          <p:val>
+                                            <p:strVal val="#ppt_y"/>
+                                          </p:val>
+                                        </p:tav>
+                                      </p:tavLst>
+                                    </p:anim>
+                                  </p:childTnLst>
+                                </p:cTn>
+                              </p:par>
+                            </p:childTnLst>
+                          </p:cTn>
+                        </p:par>
+                      </p:childTnLst>
+                    </p:cTn>
+                  </p:par>
+                  <p:par>
+                    <p:cTn id="10" fill="hold">
+                      <p:stCondLst>
+                        <p:cond delay="indefinite"/>
+                      </p:stCondLst>
+                      <p:childTnLst>
+                        <p:par>
+                          <p:cTn id="11" fill="hold">
+                            <p:stCondLst>
+                              <p:cond delay="0"/>
+                            </p:stCondLst>
+                            <p:childTnLst>
+                              <p:par>
+                                <p:cTn id="12" presetID="42" presetClass="entr" presetSubtype="0" fill="hold" nodeType="clickEffect">
+                                  <p:stCondLst>
+                                    <p:cond delay="0"/>
+                                  </p:stCondLst>
+                                  <p:childTnLst>
+                                    <p:set>
+                                      <p:cBhvr>
+                                        <p:cTn id="13" dur="1" fill="hold">
+                                          <p:stCondLst>
+                                            <p:cond delay="0"/>
+                                          </p:stCondLst>
+                                        </p:cTn>
+                                        <p:tgtEl>
+                                          <p:spTgt spid="7"/>
+                                        </p:tgtEl>
+                                        <p:attrNameLst>
+                                          <p:attrName>style.visibility</p:attrName>
+                                        </p:attrNameLst>
+                                      </p:cBhvr>
+                                      <p:to>
+                                        <p:strVal val="visible"/>
+                                      </p:to>
+                                    </p:set>
+                                    <p:animEffect transition="in" filter="fade">
+                                      <p:cBhvr>
+                                        <p:cTn id="14" dur="1000"/>
+                                        <p:tgtEl>
+                                          <p:spTgt spid="7"/>
+                                        </p:tgtEl>
+                                      </p:cBhvr>
+                                    </p:animEffect>
+                                    <p:anim calcmode="lin" valueType="num">
+                                      <p:cBhvr>
+                                        <p:cTn id="15" dur="1000" fill="hold"/>
+                                        <p:tgtEl>
+                                          <p:spTgt spid="7"/>
+                                        </p:tgtEl>
+                                        <p:attrNameLst>
+                                          <p:attrName>ppt_x</p:attrName>
+                                        </p:attrNameLst>
+                                      </p:cBhvr>
+                                      <p:tavLst>
+                                        <p:tav tm="0">
+                                          <p:val>
+                                            <p:strVal val="#ppt_x"/>
+                                          </p:val>
+                                        </p:tav>
+                                        <p:tav tm="100000">
+                                          <p:val>
+                                            <p:strVal val="#ppt_x"/>
+                                          </p:val>
+                                        </p:tav>
+                                      </p:tavLst>
+                                    </p:anim>
+                                    <p:anim calcmode="lin" valueType="num">
+                                      <p:cBhvr>
+                                        <p:cTn id="16" dur="1000" fill="hold"/>
+                                        <p:tgtEl>
+                                          <p:spTgt spid="7"/>
+                                        </p:tgtEl>
+                                        <p:attrNameLst>
+                                          <p:attrName>ppt_y</p:attrName>
+                                        </p:attrNameLst>
+                                      </p:cBhvr>
+                                      <p:tavLst>
+                                        <p:tav tm="0">
+                                          <p:val>
+                                            <p:strVal val="#ppt_y+.1"/>
+                                          </p:val>
+                                        </p:tav>
+                                        <p:tav tm="100000">
+                                          <p:val>
+                                            <p:strVal val="#ppt_y"/>
+                                          </p:val>
+                                        </p:tav>
+                                      </p:tavLst>
+                                    </p:anim>
+                                  </p:childTnLst>
+                                </p:cTn>
+                              </p:par>
+                            </p:childTnLst>
+                          </p:cTn>
+                        </p:par>
+                      </p:childTnLst>
+                    </p:cTn>
+                  </p:par>
+                  <p:par>
+                    <p:cTn id="17" fill="hold">
+                      <p:stCondLst>
+                        <p:cond delay="indefinite"/>
+                      </p:stCondLst>
+                      <p:childTnLst>
+                        <p:par>
+                          <p:cTn id="18" fill="hold">
+                            <p:stCondLst>
+                              <p:cond delay="0"/>
+                            </p:stCondLst>
+                            <p:childTnLst>
+                              <p:par>
+                                <p:cTn id="19" presetID="42" presetClass="entr" presetSubtype="0" fill="hold" nodeType="clickEffect">
+                                  <p:stCondLst>
+                                    <p:cond delay="0"/>
+                                  </p:stCondLst>
+                                  <p:childTnLst>
+                                    <p:set>
+                                      <p:cBhvr>
+                                        <p:cTn id="20" dur="1" fill="hold">
+                                          <p:stCondLst>
+                                            <p:cond delay="0"/>
+                                          </p:stCondLst>
+                                        </p:cTn>
+                                        <p:tgtEl>
+                                          <p:spTgt spid="8">
+                                            <p:txEl>
+                                              <p:pRg st="0" end="0"/>
+                                            </p:txEl>
+                                          </p:spTgt>
+                                        </p:tgtEl>
+                                        <p:attrNameLst>
+                                          <p:attrName>style.visibility</p:attrName>
+                                        </p:attrNameLst>
+                                      </p:cBhvr>
+                                      <p:to>
+                                        <p:strVal val="visible"/>
+                                      </p:to>
+                                    </p:set>
+                                    <p:animEffect transition="in" filter="fade">
+                                      <p:cBhvr>
+                                        <p:cTn id="21" dur="1000"/>
+                                        <p:tgtEl>
+                                          <p:spTgt spid="8">
+                                            <p:txEl>
+                                              <p:pRg st="0" end="0"/>
+                                            </p:txEl>
+                                          </p:spTgt>
+                                        </p:tgtEl>
+                                      </p:cBhvr>
+                                    </p:animEffect>
+                                    <p:anim calcmode="lin" valueType="num">
+                                      <p:cBhvr>
+                                        <p:cTn id="22" dur="1000" fill="hold"/>
+                                        <p:tgtEl>
+                                          <p:spTgt spid="8">
+                                            <p:txEl>
+                                              <p:pRg st="0" end="0"/>
+                                            </p:txEl>
+                                          </p:spTgt>
+                                        </p:tgtEl>
+                                        <p:attrNameLst>
+                                          <p:attrName>ppt_x</p:attrName>
+                                        </p:attrNameLst>
+                                      </p:cBhvr>
+                                      <p:tavLst>
+                                        <p:tav tm="0">
+                                          <p:val>
+                                            <p:strVal val="#ppt_x"/>
+                                          </p:val>
+                                        </p:tav>
+                                        <p:tav tm="100000">
+                                          <p:val>
+                                            <p:strVal val="#ppt_x"/>
+                                          </p:val>
+                                        </p:tav>
+                                      </p:tavLst>
+                                    </p:anim>
+                                    <p:anim calcmode="lin" valueType="num">
+                                      <p:cBhvr>
+                                        <p:cTn id="23" dur="1000" fill="hold"/>
+                                        <p:tgtEl>
+                                          <p:spTgt spid="8">
+                                            <p:txEl>
+                                              <p:pRg st="0" end="0"/>
+                                            </p:txEl>
+                                          </p:spTgt>
+                                        </p:tgtEl>
+                                        <p:attrNameLst>
+                                          <p:attrName>ppt_y</p:attrName>
+                                        </p:attrNameLst>
+                                      </p:cBhvr>
+                                      <p:tavLst>
+                                        <p:tav tm="0">
+                                          <p:val>
+                                            <p:strVal val="#ppt_y+.1"/>
+                                          </p:val>
+                                        </p:tav>
+                                        <p:tav tm="100000">
+                                          <p:val>
+                                            <p:strVal val="#ppt_y"/>
+                                          </p:val>
+                                        </p:tav>
+                                      </p:tavLst>
+                                    </p:anim>
+                                  </p:childTnLst>
+                                </p:cTn>
+                              </p:par>
+                            </p:childTnLst>
+                          </p:cTn>
+                        </p:par>
+                      </p:childTnLst>
+                    </p:cTn>
+                  </p:par>
+                  <p:par>
+                    <p:cTn id="24" fill="hold">
+                      <p:stCondLst>
+                        <p:cond delay="indefinite"/>
+                      </p:stCondLst>
+                      <p:childTnLst>
+                        <p:par>
+                          <p:cTn id="25" fill="hold">
+                            <p:stCondLst>
+                              <p:cond delay="0"/>
+                            </p:stCondLst>
+                            <p:childTnLst>
+                              <p:par>
+                                <p:cTn id="26" presetID="42" presetClass="entr" presetSubtype="0" fill="hold" nodeType="clickEffect">
+                                  <p:stCondLst>
+                                    <p:cond delay="0"/>
+                                  </p:stCondLst>
+                                  <p:childTnLst>
+                                    <p:set>
+                                      <p:cBhvr>
+                                        <p:cTn id="27" dur="1" fill="hold">
+                                          <p:stCondLst>
+                                            <p:cond delay="0"/>
+                                          </p:stCondLst>
+                                        </p:cTn>
+                                        <p:tgtEl>
+                                          <p:spTgt spid="8">
+                                            <p:txEl>
+                                              <p:pRg st="1" end="1"/>
+                                            </p:txEl>
+                                          </p:spTgt>
+                                        </p:tgtEl>
+                                        <p:attrNameLst>
+                                          <p:attrName>style.visibility</p:attrName>
+                                        </p:attrNameLst>
+                                      </p:cBhvr>
+                                      <p:to>
+                                        <p:strVal val="visible"/>
+                                      </p:to>
+                                    </p:set>
+                                    <p:animEffect transition="in" filter="fade">
+                                      <p:cBhvr>
+                                        <p:cTn id="28" dur="1000"/>
+                                        <p:tgtEl>
+                                          <p:spTgt spid="8">
+                                            <p:txEl>
+                                              <p:pRg st="1" end="1"/>
+                                            </p:txEl>
+                                          </p:spTgt>
+                                        </p:tgtEl>
+                                      </p:cBhvr>
+                                    </p:animEffect>
+                                    <p:anim calcmode="lin" valueType="num">
+                                      <p:cBhvr>
+                                        <p:cTn id="29" dur="1000" fill="hold"/>
+                                        <p:tgtEl>
+                                          <p:spTgt spid="8">
+                                            <p:txEl>
+                                              <p:pRg st="1" end="1"/>
+                                            </p:txEl>
+                                          </p:spTgt>
+                                        </p:tgtEl>
+                                        <p:attrNameLst>
+                                          <p:attrName>ppt_x</p:attrName>
+                                        </p:attrNameLst>
+                                      </p:cBhvr>
+                                      <p:tavLst>
+                                        <p:tav tm="0">
+                                          <p:val>
+                                            <p:strVal val="#ppt_x"/>
+                                          </p:val>
+                                        </p:tav>
+                                        <p:tav tm="100000">
+                                          <p:val>
+                                            <p:strVal val="#ppt_x"/>
+                                          </p:val>
+                                        </p:tav>
+                                      </p:tavLst>
+                                    </p:anim>
+                                    <p:anim calcmode="lin" valueType="num">
+                                      <p:cBhvr>
+                                        <p:cTn id="30" dur="1000" fill="hold"/>
+                                        <p:tgtEl>
+                                          <p:spTgt spid="8">
+                                            <p:txEl>
+                                              <p:pRg st="1" end="1"/>
+                                            </p:txEl>
+                                          </p:spTgt>
+                                        </p:tgtEl>
+                                        <p:attrNameLst>
+                                          <p:attrName>ppt_y</p:attrName>
+                                        </p:attrNameLst>
+                                      </p:cBhvr>
+                                      <p:tavLst>
+                                        <p:tav tm="0">
+                                          <p:val>
+                                            <p:strVal val="#ppt_y+.1"/>
+                                          </p:val>
+                                        </p:tav>
+                                        <p:tav tm="100000">
+                                          <p:val>
+                                            <p:strVal val="#ppt_y"/>
+                                          </p:val>
+                                        </p:tav>
+                                      </p:tavLst>
+                                    </p:anim>
+                                  </p:childTnLst>
+                                </p:cTn>
+                              </p:par>
+                            </p:childTnLst>
+                          </p:cTn>
+                        </p:par>
+                      </p:childTnLst>
+                    </p:cTn>
+                  </p:par>
+                  <p:par>
+                    <p:cTn id="31" fill="hold">
+                      <p:stCondLst>
+                        <p:cond delay="indefinite"/>
+                      </p:stCondLst>
+                      <p:childTnLst>
+                        <p:par>
+                          <p:cTn id="32" fill="hold">
+                            <p:stCondLst>
+                              <p:cond delay="0"/>
+                            </p:stCondLst>
+                            <p:childTnLst>
+                              <p:par>
+                                <p:cTn id="33" presetID="42" presetClass="entr" presetSubtype="0" fill="hold" nodeType="clickEffect">
+                                  <p:stCondLst>
+                                    <p:cond delay="0"/>
+                                  </p:stCondLst>
+                                  <p:childTnLst>
+                                    <p:set>
+                                      <p:cBhvr>
+                                        <p:cTn id="34" dur="1" fill="hold">
+                                          <p:stCondLst>
+                                            <p:cond delay="0"/>
+                                          </p:stCondLst>
+                                        </p:cTn>
+                                        <p:tgtEl>
+                                          <p:spTgt spid="8">
+                                            <p:txEl>
+                                              <p:pRg st="2" end="2"/>
+                                            </p:txEl>
+                                          </p:spTgt>
+                                        </p:tgtEl>
+                                        <p:attrNameLst>
+                                          <p:attrName>style.visibility</p:attrName>
+                                        </p:attrNameLst>
+                                      </p:cBhvr>
+                                      <p:to>
+                                        <p:strVal val="visible"/>
+                                      </p:to>
+                                    </p:set>
+                                    <p:animEffect transition="in" filter="fade">
+                                      <p:cBhvr>
+                                        <p:cTn id="35" dur="1000"/>
+                                        <p:tgtEl>
+                                          <p:spTgt spid="8">
+                                            <p:txEl>
+                                              <p:pRg st="2" end="2"/>
+                                            </p:txEl>
+                                          </p:spTgt>
+                                        </p:tgtEl>
+                                      </p:cBhvr>
+                                    </p:animEffect>
+                                    <p:anim calcmode="lin" valueType="num">
+                                      <p:cBhvr>
+                                        <p:cTn id="36" dur="1000" fill="hold"/>
+                                        <p:tgtEl>
+                                          <p:spTgt spid="8">
+                                            <p:txEl>
+                                              <p:pRg st="2" end="2"/>
+                                            </p:txEl>
+                                          </p:spTgt>
+                                        </p:tgtEl>
+                                        <p:attrNameLst>
+                                          <p:attrName>ppt_x</p:attrName>
+                                        </p:attrNameLst>
+                                      </p:cBhvr>
+                                      <p:tavLst>
+                                        <p:tav tm="0">
+                                          <p:val>
+                                            <p:strVal val="#ppt_x"/>
+                                          </p:val>
+                                        </p:tav>
+                                        <p:tav tm="100000">
+                                          <p:val>
+                                            <p:strVal val="#ppt_x"/>
+                                          </p:val>
+                                        </p:tav>
+                                      </p:tavLst>
+                                    </p:anim>
+                                    <p:anim calcmode="lin" valueType="num">
+                                      <p:cBhvr>
+                                        <p:cTn id="37" dur="1000" fill="hold"/>
+                                        <p:tgtEl>
+                                          <p:spTgt spid="8">
+                                            <p:txEl>
+                                              <p:pRg st="2" end="2"/>
+                                            </p:txEl>
+                                          </p:spTgt>
+                                        </p:tgtEl>
+                                        <p:attrNameLst>
+                                          <p:attrName>ppt_y</p:attrName>
+                                        </p:attrNameLst>
+                                      </p:cBhvr>
+                                      <p:tavLst>
+                                        <p:tav tm="0">
+                                          <p:val>
+                                            <p:strVal val="#ppt_y+.1"/>
+                                          </p:val>
+                                        </p:tav>
+                                        <p:tav tm="100000">
+                                          <p:val>
+                                            <p:strVal val="#ppt_y"/>
+                                          </p:val>
+                                        </p:tav>
+                                      </p:tavLst>
+                                    </p:anim>
+                                  </p:childTnLst>
+                                </p:cTn>
+                              </p:par>
+                            </p:childTnLst>
+                          </p:cTn>
+                        </p:par>
+                      </p:childTnLst>
+                    </p:cTn>
+                  </p:par>
+                </p:childTnLst>
+              </p:cTn>
+              <p:prevCondLst>
+                <p:cond evt="onPrev" delay="0">
+                  <p:tgtEl>
+                    <p:sldTgt/>
+                  </p:tgtEl>
+                </p:cond>
+              </p:prevCondLst>
+              <p:nextCondLst>
+                <p:cond evt="onNext" delay="0">
+                  <p:tgtEl>
+                    <p:sldTgt/>
+                  </p:tgtEl>
+                </p:cond>
+              </p:nextCondLst>
+            </p:seq>
+          </p:childTnLst>
+        </p:cTn>
       </p:par>
     </p:tnLst>
   </p:timing>
@@ -6973,9 +8826,792 @@
   <p:timing>
     <p:tnLst>
       <p:par>
-        <p:cTn id="1" dur="indefinite" restart="never" nodeType="tmRoot"/>
+        <p:cTn id="1" dur="indefinite" restart="never" nodeType="tmRoot">
+          <p:childTnLst>
+            <p:seq concurrent="1" nextAc="seek">
+              <p:cTn id="2" dur="indefinite" nodeType="mainSeq">
+                <p:childTnLst>
+                  <p:par>
+                    <p:cTn id="3" fill="hold">
+                      <p:stCondLst>
+                        <p:cond delay="indefinite"/>
+                      </p:stCondLst>
+                      <p:childTnLst>
+                        <p:par>
+                          <p:cTn id="4" fill="hold">
+                            <p:stCondLst>
+                              <p:cond delay="0"/>
+                            </p:stCondLst>
+                            <p:childTnLst>
+                              <p:par>
+                                <p:cTn id="5" presetID="42" presetClass="entr" presetSubtype="0" fill="hold" nodeType="clickEffect">
+                                  <p:stCondLst>
+                                    <p:cond delay="0"/>
+                                  </p:stCondLst>
+                                  <p:childTnLst>
+                                    <p:set>
+                                      <p:cBhvr>
+                                        <p:cTn id="6" dur="1" fill="hold">
+                                          <p:stCondLst>
+                                            <p:cond delay="0"/>
+                                          </p:stCondLst>
+                                        </p:cTn>
+                                        <p:tgtEl>
+                                          <p:spTgt spid="4">
+                                            <p:txEl>
+                                              <p:pRg st="0" end="0"/>
+                                            </p:txEl>
+                                          </p:spTgt>
+                                        </p:tgtEl>
+                                        <p:attrNameLst>
+                                          <p:attrName>style.visibility</p:attrName>
+                                        </p:attrNameLst>
+                                      </p:cBhvr>
+                                      <p:to>
+                                        <p:strVal val="visible"/>
+                                      </p:to>
+                                    </p:set>
+                                    <p:animEffect transition="in" filter="fade">
+                                      <p:cBhvr>
+                                        <p:cTn id="7" dur="1000"/>
+                                        <p:tgtEl>
+                                          <p:spTgt spid="4">
+                                            <p:txEl>
+                                              <p:pRg st="0" end="0"/>
+                                            </p:txEl>
+                                          </p:spTgt>
+                                        </p:tgtEl>
+                                      </p:cBhvr>
+                                    </p:animEffect>
+                                    <p:anim calcmode="lin" valueType="num">
+                                      <p:cBhvr>
+                                        <p:cTn id="8" dur="1000" fill="hold"/>
+                                        <p:tgtEl>
+                                          <p:spTgt spid="4">
+                                            <p:txEl>
+                                              <p:pRg st="0" end="0"/>
+                                            </p:txEl>
+                                          </p:spTgt>
+                                        </p:tgtEl>
+                                        <p:attrNameLst>
+                                          <p:attrName>ppt_x</p:attrName>
+                                        </p:attrNameLst>
+                                      </p:cBhvr>
+                                      <p:tavLst>
+                                        <p:tav tm="0">
+                                          <p:val>
+                                            <p:strVal val="#ppt_x"/>
+                                          </p:val>
+                                        </p:tav>
+                                        <p:tav tm="100000">
+                                          <p:val>
+                                            <p:strVal val="#ppt_x"/>
+                                          </p:val>
+                                        </p:tav>
+                                      </p:tavLst>
+                                    </p:anim>
+                                    <p:anim calcmode="lin" valueType="num">
+                                      <p:cBhvr>
+                                        <p:cTn id="9" dur="1000" fill="hold"/>
+                                        <p:tgtEl>
+                                          <p:spTgt spid="4">
+                                            <p:txEl>
+                                              <p:pRg st="0" end="0"/>
+                                            </p:txEl>
+                                          </p:spTgt>
+                                        </p:tgtEl>
+                                        <p:attrNameLst>
+                                          <p:attrName>ppt_y</p:attrName>
+                                        </p:attrNameLst>
+                                      </p:cBhvr>
+                                      <p:tavLst>
+                                        <p:tav tm="0">
+                                          <p:val>
+                                            <p:strVal val="#ppt_y+.1"/>
+                                          </p:val>
+                                        </p:tav>
+                                        <p:tav tm="100000">
+                                          <p:val>
+                                            <p:strVal val="#ppt_y"/>
+                                          </p:val>
+                                        </p:tav>
+                                      </p:tavLst>
+                                    </p:anim>
+                                  </p:childTnLst>
+                                </p:cTn>
+                              </p:par>
+                            </p:childTnLst>
+                          </p:cTn>
+                        </p:par>
+                      </p:childTnLst>
+                    </p:cTn>
+                  </p:par>
+                  <p:par>
+                    <p:cTn id="10" fill="hold">
+                      <p:stCondLst>
+                        <p:cond delay="indefinite"/>
+                      </p:stCondLst>
+                      <p:childTnLst>
+                        <p:par>
+                          <p:cTn id="11" fill="hold">
+                            <p:stCondLst>
+                              <p:cond delay="0"/>
+                            </p:stCondLst>
+                            <p:childTnLst>
+                              <p:par>
+                                <p:cTn id="12" presetID="42" presetClass="entr" presetSubtype="0" fill="hold" nodeType="clickEffect">
+                                  <p:stCondLst>
+                                    <p:cond delay="0"/>
+                                  </p:stCondLst>
+                                  <p:childTnLst>
+                                    <p:set>
+                                      <p:cBhvr>
+                                        <p:cTn id="13" dur="1" fill="hold">
+                                          <p:stCondLst>
+                                            <p:cond delay="0"/>
+                                          </p:stCondLst>
+                                        </p:cTn>
+                                        <p:tgtEl>
+                                          <p:spTgt spid="5">
+                                            <p:txEl>
+                                              <p:pRg st="0" end="0"/>
+                                            </p:txEl>
+                                          </p:spTgt>
+                                        </p:tgtEl>
+                                        <p:attrNameLst>
+                                          <p:attrName>style.visibility</p:attrName>
+                                        </p:attrNameLst>
+                                      </p:cBhvr>
+                                      <p:to>
+                                        <p:strVal val="visible"/>
+                                      </p:to>
+                                    </p:set>
+                                    <p:animEffect transition="in" filter="fade">
+                                      <p:cBhvr>
+                                        <p:cTn id="14" dur="1000"/>
+                                        <p:tgtEl>
+                                          <p:spTgt spid="5">
+                                            <p:txEl>
+                                              <p:pRg st="0" end="0"/>
+                                            </p:txEl>
+                                          </p:spTgt>
+                                        </p:tgtEl>
+                                      </p:cBhvr>
+                                    </p:animEffect>
+                                    <p:anim calcmode="lin" valueType="num">
+                                      <p:cBhvr>
+                                        <p:cTn id="15" dur="1000" fill="hold"/>
+                                        <p:tgtEl>
+                                          <p:spTgt spid="5">
+                                            <p:txEl>
+                                              <p:pRg st="0" end="0"/>
+                                            </p:txEl>
+                                          </p:spTgt>
+                                        </p:tgtEl>
+                                        <p:attrNameLst>
+                                          <p:attrName>ppt_x</p:attrName>
+                                        </p:attrNameLst>
+                                      </p:cBhvr>
+                                      <p:tavLst>
+                                        <p:tav tm="0">
+                                          <p:val>
+                                            <p:strVal val="#ppt_x"/>
+                                          </p:val>
+                                        </p:tav>
+                                        <p:tav tm="100000">
+                                          <p:val>
+                                            <p:strVal val="#ppt_x"/>
+                                          </p:val>
+                                        </p:tav>
+                                      </p:tavLst>
+                                    </p:anim>
+                                    <p:anim calcmode="lin" valueType="num">
+                                      <p:cBhvr>
+                                        <p:cTn id="16" dur="1000" fill="hold"/>
+                                        <p:tgtEl>
+                                          <p:spTgt spid="5">
+                                            <p:txEl>
+                                              <p:pRg st="0" end="0"/>
+                                            </p:txEl>
+                                          </p:spTgt>
+                                        </p:tgtEl>
+                                        <p:attrNameLst>
+                                          <p:attrName>ppt_y</p:attrName>
+                                        </p:attrNameLst>
+                                      </p:cBhvr>
+                                      <p:tavLst>
+                                        <p:tav tm="0">
+                                          <p:val>
+                                            <p:strVal val="#ppt_y+.1"/>
+                                          </p:val>
+                                        </p:tav>
+                                        <p:tav tm="100000">
+                                          <p:val>
+                                            <p:strVal val="#ppt_y"/>
+                                          </p:val>
+                                        </p:tav>
+                                      </p:tavLst>
+                                    </p:anim>
+                                  </p:childTnLst>
+                                </p:cTn>
+                              </p:par>
+                            </p:childTnLst>
+                          </p:cTn>
+                        </p:par>
+                      </p:childTnLst>
+                    </p:cTn>
+                  </p:par>
+                  <p:par>
+                    <p:cTn id="17" fill="hold">
+                      <p:stCondLst>
+                        <p:cond delay="indefinite"/>
+                      </p:stCondLst>
+                      <p:childTnLst>
+                        <p:par>
+                          <p:cTn id="18" fill="hold">
+                            <p:stCondLst>
+                              <p:cond delay="0"/>
+                            </p:stCondLst>
+                            <p:childTnLst>
+                              <p:par>
+                                <p:cTn id="19" presetID="42" presetClass="entr" presetSubtype="0" fill="hold" nodeType="clickEffect">
+                                  <p:stCondLst>
+                                    <p:cond delay="0"/>
+                                  </p:stCondLst>
+                                  <p:childTnLst>
+                                    <p:set>
+                                      <p:cBhvr>
+                                        <p:cTn id="20" dur="1" fill="hold">
+                                          <p:stCondLst>
+                                            <p:cond delay="0"/>
+                                          </p:stCondLst>
+                                        </p:cTn>
+                                        <p:tgtEl>
+                                          <p:spTgt spid="5">
+                                            <p:txEl>
+                                              <p:pRg st="1" end="1"/>
+                                            </p:txEl>
+                                          </p:spTgt>
+                                        </p:tgtEl>
+                                        <p:attrNameLst>
+                                          <p:attrName>style.visibility</p:attrName>
+                                        </p:attrNameLst>
+                                      </p:cBhvr>
+                                      <p:to>
+                                        <p:strVal val="visible"/>
+                                      </p:to>
+                                    </p:set>
+                                    <p:animEffect transition="in" filter="fade">
+                                      <p:cBhvr>
+                                        <p:cTn id="21" dur="1000"/>
+                                        <p:tgtEl>
+                                          <p:spTgt spid="5">
+                                            <p:txEl>
+                                              <p:pRg st="1" end="1"/>
+                                            </p:txEl>
+                                          </p:spTgt>
+                                        </p:tgtEl>
+                                      </p:cBhvr>
+                                    </p:animEffect>
+                                    <p:anim calcmode="lin" valueType="num">
+                                      <p:cBhvr>
+                                        <p:cTn id="22" dur="1000" fill="hold"/>
+                                        <p:tgtEl>
+                                          <p:spTgt spid="5">
+                                            <p:txEl>
+                                              <p:pRg st="1" end="1"/>
+                                            </p:txEl>
+                                          </p:spTgt>
+                                        </p:tgtEl>
+                                        <p:attrNameLst>
+                                          <p:attrName>ppt_x</p:attrName>
+                                        </p:attrNameLst>
+                                      </p:cBhvr>
+                                      <p:tavLst>
+                                        <p:tav tm="0">
+                                          <p:val>
+                                            <p:strVal val="#ppt_x"/>
+                                          </p:val>
+                                        </p:tav>
+                                        <p:tav tm="100000">
+                                          <p:val>
+                                            <p:strVal val="#ppt_x"/>
+                                          </p:val>
+                                        </p:tav>
+                                      </p:tavLst>
+                                    </p:anim>
+                                    <p:anim calcmode="lin" valueType="num">
+                                      <p:cBhvr>
+                                        <p:cTn id="23" dur="1000" fill="hold"/>
+                                        <p:tgtEl>
+                                          <p:spTgt spid="5">
+                                            <p:txEl>
+                                              <p:pRg st="1" end="1"/>
+                                            </p:txEl>
+                                          </p:spTgt>
+                                        </p:tgtEl>
+                                        <p:attrNameLst>
+                                          <p:attrName>ppt_y</p:attrName>
+                                        </p:attrNameLst>
+                                      </p:cBhvr>
+                                      <p:tavLst>
+                                        <p:tav tm="0">
+                                          <p:val>
+                                            <p:strVal val="#ppt_y+.1"/>
+                                          </p:val>
+                                        </p:tav>
+                                        <p:tav tm="100000">
+                                          <p:val>
+                                            <p:strVal val="#ppt_y"/>
+                                          </p:val>
+                                        </p:tav>
+                                      </p:tavLst>
+                                    </p:anim>
+                                  </p:childTnLst>
+                                </p:cTn>
+                              </p:par>
+                            </p:childTnLst>
+                          </p:cTn>
+                        </p:par>
+                      </p:childTnLst>
+                    </p:cTn>
+                  </p:par>
+                  <p:par>
+                    <p:cTn id="24" fill="hold">
+                      <p:stCondLst>
+                        <p:cond delay="indefinite"/>
+                      </p:stCondLst>
+                      <p:childTnLst>
+                        <p:par>
+                          <p:cTn id="25" fill="hold">
+                            <p:stCondLst>
+                              <p:cond delay="0"/>
+                            </p:stCondLst>
+                            <p:childTnLst>
+                              <p:par>
+                                <p:cTn id="26" presetID="42" presetClass="entr" presetSubtype="0" fill="hold" nodeType="clickEffect">
+                                  <p:stCondLst>
+                                    <p:cond delay="0"/>
+                                  </p:stCondLst>
+                                  <p:childTnLst>
+                                    <p:set>
+                                      <p:cBhvr>
+                                        <p:cTn id="27" dur="1" fill="hold">
+                                          <p:stCondLst>
+                                            <p:cond delay="0"/>
+                                          </p:stCondLst>
+                                        </p:cTn>
+                                        <p:tgtEl>
+                                          <p:spTgt spid="8"/>
+                                        </p:tgtEl>
+                                        <p:attrNameLst>
+                                          <p:attrName>style.visibility</p:attrName>
+                                        </p:attrNameLst>
+                                      </p:cBhvr>
+                                      <p:to>
+                                        <p:strVal val="visible"/>
+                                      </p:to>
+                                    </p:set>
+                                    <p:animEffect transition="in" filter="fade">
+                                      <p:cBhvr>
+                                        <p:cTn id="28" dur="1000"/>
+                                        <p:tgtEl>
+                                          <p:spTgt spid="8"/>
+                                        </p:tgtEl>
+                                      </p:cBhvr>
+                                    </p:animEffect>
+                                    <p:anim calcmode="lin" valueType="num">
+                                      <p:cBhvr>
+                                        <p:cTn id="29" dur="1000" fill="hold"/>
+                                        <p:tgtEl>
+                                          <p:spTgt spid="8"/>
+                                        </p:tgtEl>
+                                        <p:attrNameLst>
+                                          <p:attrName>ppt_x</p:attrName>
+                                        </p:attrNameLst>
+                                      </p:cBhvr>
+                                      <p:tavLst>
+                                        <p:tav tm="0">
+                                          <p:val>
+                                            <p:strVal val="#ppt_x"/>
+                                          </p:val>
+                                        </p:tav>
+                                        <p:tav tm="100000">
+                                          <p:val>
+                                            <p:strVal val="#ppt_x"/>
+                                          </p:val>
+                                        </p:tav>
+                                      </p:tavLst>
+                                    </p:anim>
+                                    <p:anim calcmode="lin" valueType="num">
+                                      <p:cBhvr>
+                                        <p:cTn id="30" dur="1000" fill="hold"/>
+                                        <p:tgtEl>
+                                          <p:spTgt spid="8"/>
+                                        </p:tgtEl>
+                                        <p:attrNameLst>
+                                          <p:attrName>ppt_y</p:attrName>
+                                        </p:attrNameLst>
+                                      </p:cBhvr>
+                                      <p:tavLst>
+                                        <p:tav tm="0">
+                                          <p:val>
+                                            <p:strVal val="#ppt_y+.1"/>
+                                          </p:val>
+                                        </p:tav>
+                                        <p:tav tm="100000">
+                                          <p:val>
+                                            <p:strVal val="#ppt_y"/>
+                                          </p:val>
+                                        </p:tav>
+                                      </p:tavLst>
+                                    </p:anim>
+                                  </p:childTnLst>
+                                </p:cTn>
+                              </p:par>
+                            </p:childTnLst>
+                          </p:cTn>
+                        </p:par>
+                      </p:childTnLst>
+                    </p:cTn>
+                  </p:par>
+                  <p:par>
+                    <p:cTn id="31" fill="hold">
+                      <p:stCondLst>
+                        <p:cond delay="indefinite"/>
+                      </p:stCondLst>
+                      <p:childTnLst>
+                        <p:par>
+                          <p:cTn id="32" fill="hold">
+                            <p:stCondLst>
+                              <p:cond delay="0"/>
+                            </p:stCondLst>
+                            <p:childTnLst>
+                              <p:par>
+                                <p:cTn id="33" presetID="42" presetClass="entr" presetSubtype="0" fill="hold" nodeType="clickEffect">
+                                  <p:stCondLst>
+                                    <p:cond delay="0"/>
+                                  </p:stCondLst>
+                                  <p:childTnLst>
+                                    <p:set>
+                                      <p:cBhvr>
+                                        <p:cTn id="34" dur="1" fill="hold">
+                                          <p:stCondLst>
+                                            <p:cond delay="0"/>
+                                          </p:stCondLst>
+                                        </p:cTn>
+                                        <p:tgtEl>
+                                          <p:spTgt spid="6">
+                                            <p:txEl>
+                                              <p:pRg st="0" end="0"/>
+                                            </p:txEl>
+                                          </p:spTgt>
+                                        </p:tgtEl>
+                                        <p:attrNameLst>
+                                          <p:attrName>style.visibility</p:attrName>
+                                        </p:attrNameLst>
+                                      </p:cBhvr>
+                                      <p:to>
+                                        <p:strVal val="visible"/>
+                                      </p:to>
+                                    </p:set>
+                                    <p:animEffect transition="in" filter="fade">
+                                      <p:cBhvr>
+                                        <p:cTn id="35" dur="1000"/>
+                                        <p:tgtEl>
+                                          <p:spTgt spid="6">
+                                            <p:txEl>
+                                              <p:pRg st="0" end="0"/>
+                                            </p:txEl>
+                                          </p:spTgt>
+                                        </p:tgtEl>
+                                      </p:cBhvr>
+                                    </p:animEffect>
+                                    <p:anim calcmode="lin" valueType="num">
+                                      <p:cBhvr>
+                                        <p:cTn id="36" dur="1000" fill="hold"/>
+                                        <p:tgtEl>
+                                          <p:spTgt spid="6">
+                                            <p:txEl>
+                                              <p:pRg st="0" end="0"/>
+                                            </p:txEl>
+                                          </p:spTgt>
+                                        </p:tgtEl>
+                                        <p:attrNameLst>
+                                          <p:attrName>ppt_x</p:attrName>
+                                        </p:attrNameLst>
+                                      </p:cBhvr>
+                                      <p:tavLst>
+                                        <p:tav tm="0">
+                                          <p:val>
+                                            <p:strVal val="#ppt_x"/>
+                                          </p:val>
+                                        </p:tav>
+                                        <p:tav tm="100000">
+                                          <p:val>
+                                            <p:strVal val="#ppt_x"/>
+                                          </p:val>
+                                        </p:tav>
+                                      </p:tavLst>
+                                    </p:anim>
+                                    <p:anim calcmode="lin" valueType="num">
+                                      <p:cBhvr>
+                                        <p:cTn id="37" dur="1000" fill="hold"/>
+                                        <p:tgtEl>
+                                          <p:spTgt spid="6">
+                                            <p:txEl>
+                                              <p:pRg st="0" end="0"/>
+                                            </p:txEl>
+                                          </p:spTgt>
+                                        </p:tgtEl>
+                                        <p:attrNameLst>
+                                          <p:attrName>ppt_y</p:attrName>
+                                        </p:attrNameLst>
+                                      </p:cBhvr>
+                                      <p:tavLst>
+                                        <p:tav tm="0">
+                                          <p:val>
+                                            <p:strVal val="#ppt_y+.1"/>
+                                          </p:val>
+                                        </p:tav>
+                                        <p:tav tm="100000">
+                                          <p:val>
+                                            <p:strVal val="#ppt_y"/>
+                                          </p:val>
+                                        </p:tav>
+                                      </p:tavLst>
+                                    </p:anim>
+                                  </p:childTnLst>
+                                </p:cTn>
+                              </p:par>
+                            </p:childTnLst>
+                          </p:cTn>
+                        </p:par>
+                      </p:childTnLst>
+                    </p:cTn>
+                  </p:par>
+                  <p:par>
+                    <p:cTn id="38" fill="hold">
+                      <p:stCondLst>
+                        <p:cond delay="indefinite"/>
+                      </p:stCondLst>
+                      <p:childTnLst>
+                        <p:par>
+                          <p:cTn id="39" fill="hold">
+                            <p:stCondLst>
+                              <p:cond delay="0"/>
+                            </p:stCondLst>
+                            <p:childTnLst>
+                              <p:par>
+                                <p:cTn id="40" presetID="42" presetClass="entr" presetSubtype="0" fill="hold" nodeType="clickEffect">
+                                  <p:stCondLst>
+                                    <p:cond delay="0"/>
+                                  </p:stCondLst>
+                                  <p:childTnLst>
+                                    <p:set>
+                                      <p:cBhvr>
+                                        <p:cTn id="41" dur="1" fill="hold">
+                                          <p:stCondLst>
+                                            <p:cond delay="0"/>
+                                          </p:stCondLst>
+                                        </p:cTn>
+                                        <p:tgtEl>
+                                          <p:spTgt spid="7"/>
+                                        </p:tgtEl>
+                                        <p:attrNameLst>
+                                          <p:attrName>style.visibility</p:attrName>
+                                        </p:attrNameLst>
+                                      </p:cBhvr>
+                                      <p:to>
+                                        <p:strVal val="visible"/>
+                                      </p:to>
+                                    </p:set>
+                                    <p:animEffect transition="in" filter="fade">
+                                      <p:cBhvr>
+                                        <p:cTn id="42" dur="1000"/>
+                                        <p:tgtEl>
+                                          <p:spTgt spid="7"/>
+                                        </p:tgtEl>
+                                      </p:cBhvr>
+                                    </p:animEffect>
+                                    <p:anim calcmode="lin" valueType="num">
+                                      <p:cBhvr>
+                                        <p:cTn id="43" dur="1000" fill="hold"/>
+                                        <p:tgtEl>
+                                          <p:spTgt spid="7"/>
+                                        </p:tgtEl>
+                                        <p:attrNameLst>
+                                          <p:attrName>ppt_x</p:attrName>
+                                        </p:attrNameLst>
+                                      </p:cBhvr>
+                                      <p:tavLst>
+                                        <p:tav tm="0">
+                                          <p:val>
+                                            <p:strVal val="#ppt_x"/>
+                                          </p:val>
+                                        </p:tav>
+                                        <p:tav tm="100000">
+                                          <p:val>
+                                            <p:strVal val="#ppt_x"/>
+                                          </p:val>
+                                        </p:tav>
+                                      </p:tavLst>
+                                    </p:anim>
+                                    <p:anim calcmode="lin" valueType="num">
+                                      <p:cBhvr>
+                                        <p:cTn id="44" dur="1000" fill="hold"/>
+                                        <p:tgtEl>
+                                          <p:spTgt spid="7"/>
+                                        </p:tgtEl>
+                                        <p:attrNameLst>
+                                          <p:attrName>ppt_y</p:attrName>
+                                        </p:attrNameLst>
+                                      </p:cBhvr>
+                                      <p:tavLst>
+                                        <p:tav tm="0">
+                                          <p:val>
+                                            <p:strVal val="#ppt_y+.1"/>
+                                          </p:val>
+                                        </p:tav>
+                                        <p:tav tm="100000">
+                                          <p:val>
+                                            <p:strVal val="#ppt_y"/>
+                                          </p:val>
+                                        </p:tav>
+                                      </p:tavLst>
+                                    </p:anim>
+                                  </p:childTnLst>
+                                </p:cTn>
+                              </p:par>
+                            </p:childTnLst>
+                          </p:cTn>
+                        </p:par>
+                      </p:childTnLst>
+                    </p:cTn>
+                  </p:par>
+                  <p:par>
+                    <p:cTn id="45" fill="hold">
+                      <p:stCondLst>
+                        <p:cond delay="indefinite"/>
+                      </p:stCondLst>
+                      <p:childTnLst>
+                        <p:par>
+                          <p:cTn id="46" fill="hold">
+                            <p:stCondLst>
+                              <p:cond delay="0"/>
+                            </p:stCondLst>
+                            <p:childTnLst>
+                              <p:par>
+                                <p:cTn id="47" presetID="42" presetClass="entr" presetSubtype="0" fill="hold" grpId="0" nodeType="clickEffect">
+                                  <p:stCondLst>
+                                    <p:cond delay="0"/>
+                                  </p:stCondLst>
+                                  <p:childTnLst>
+                                    <p:set>
+                                      <p:cBhvr>
+                                        <p:cTn id="48" dur="1" fill="hold">
+                                          <p:stCondLst>
+                                            <p:cond delay="0"/>
+                                          </p:stCondLst>
+                                        </p:cTn>
+                                        <p:tgtEl>
+                                          <p:spTgt spid="9"/>
+                                        </p:tgtEl>
+                                        <p:attrNameLst>
+                                          <p:attrName>style.visibility</p:attrName>
+                                        </p:attrNameLst>
+                                      </p:cBhvr>
+                                      <p:to>
+                                        <p:strVal val="visible"/>
+                                      </p:to>
+                                    </p:set>
+                                    <p:animEffect transition="in" filter="fade">
+                                      <p:cBhvr>
+                                        <p:cTn id="49" dur="1000"/>
+                                        <p:tgtEl>
+                                          <p:spTgt spid="9"/>
+                                        </p:tgtEl>
+                                      </p:cBhvr>
+                                    </p:animEffect>
+                                    <p:anim calcmode="lin" valueType="num">
+                                      <p:cBhvr>
+                                        <p:cTn id="50" dur="1000" fill="hold"/>
+                                        <p:tgtEl>
+                                          <p:spTgt spid="9"/>
+                                        </p:tgtEl>
+                                        <p:attrNameLst>
+                                          <p:attrName>ppt_x</p:attrName>
+                                        </p:attrNameLst>
+                                      </p:cBhvr>
+                                      <p:tavLst>
+                                        <p:tav tm="0">
+                                          <p:val>
+                                            <p:strVal val="#ppt_x"/>
+                                          </p:val>
+                                        </p:tav>
+                                        <p:tav tm="100000">
+                                          <p:val>
+                                            <p:strVal val="#ppt_x"/>
+                                          </p:val>
+                                        </p:tav>
+                                      </p:tavLst>
+                                    </p:anim>
+                                    <p:anim calcmode="lin" valueType="num">
+                                      <p:cBhvr>
+                                        <p:cTn id="51" dur="1000" fill="hold"/>
+                                        <p:tgtEl>
+                                          <p:spTgt spid="9"/>
+                                        </p:tgtEl>
+                                        <p:attrNameLst>
+                                          <p:attrName>ppt_y</p:attrName>
+                                        </p:attrNameLst>
+                                      </p:cBhvr>
+                                      <p:tavLst>
+                                        <p:tav tm="0">
+                                          <p:val>
+                                            <p:strVal val="#ppt_y+.1"/>
+                                          </p:val>
+                                        </p:tav>
+                                        <p:tav tm="100000">
+                                          <p:val>
+                                            <p:strVal val="#ppt_y"/>
+                                          </p:val>
+                                        </p:tav>
+                                      </p:tavLst>
+                                    </p:anim>
+                                  </p:childTnLst>
+                                </p:cTn>
+                              </p:par>
+                            </p:childTnLst>
+                          </p:cTn>
+                        </p:par>
+                      </p:childTnLst>
+                    </p:cTn>
+                  </p:par>
+                </p:childTnLst>
+              </p:cTn>
+              <p:prevCondLst>
+                <p:cond evt="onPrev" delay="0">
+                  <p:tgtEl>
+                    <p:sldTgt/>
+                  </p:tgtEl>
+                </p:cond>
+              </p:prevCondLst>
+              <p:nextCondLst>
+                <p:cond evt="onNext" delay="0">
+                  <p:tgtEl>
+                    <p:sldTgt/>
+                  </p:tgtEl>
+                </p:cond>
+              </p:nextCondLst>
+            </p:seq>
+          </p:childTnLst>
+        </p:cTn>
       </p:par>
     </p:tnLst>
+    <p:bldLst>
+      <p:bldP spid="9" grpId="0"/>
+    </p:bldLst>
   </p:timing>
 </p:sld>
 </file>
@@ -7130,7 +9766,7 @@
         </p:blipFill>
         <p:spPr bwMode="auto">
           <a:xfrm>
-            <a:off x="1353019" y="2558947"/>
+            <a:off x="1314382" y="2481673"/>
             <a:ext cx="5210175" cy="3827780"/>
           </a:xfrm>
           <a:prstGeom prst="rect">
@@ -7155,7 +9791,571 @@
   <p:timing>
     <p:tnLst>
       <p:par>
-        <p:cTn id="1" dur="indefinite" restart="never" nodeType="tmRoot"/>
+        <p:cTn id="1" dur="indefinite" restart="never" nodeType="tmRoot">
+          <p:childTnLst>
+            <p:seq concurrent="1" nextAc="seek">
+              <p:cTn id="2" dur="indefinite" nodeType="mainSeq">
+                <p:childTnLst>
+                  <p:par>
+                    <p:cTn id="3" fill="hold">
+                      <p:stCondLst>
+                        <p:cond delay="indefinite"/>
+                      </p:stCondLst>
+                      <p:childTnLst>
+                        <p:par>
+                          <p:cTn id="4" fill="hold">
+                            <p:stCondLst>
+                              <p:cond delay="0"/>
+                            </p:stCondLst>
+                            <p:childTnLst>
+                              <p:par>
+                                <p:cTn id="5" presetID="42" presetClass="entr" presetSubtype="0" fill="hold" nodeType="clickEffect">
+                                  <p:stCondLst>
+                                    <p:cond delay="0"/>
+                                  </p:stCondLst>
+                                  <p:childTnLst>
+                                    <p:set>
+                                      <p:cBhvr>
+                                        <p:cTn id="6" dur="1" fill="hold">
+                                          <p:stCondLst>
+                                            <p:cond delay="0"/>
+                                          </p:stCondLst>
+                                        </p:cTn>
+                                        <p:tgtEl>
+                                          <p:spTgt spid="3">
+                                            <p:txEl>
+                                              <p:pRg st="0" end="0"/>
+                                            </p:txEl>
+                                          </p:spTgt>
+                                        </p:tgtEl>
+                                        <p:attrNameLst>
+                                          <p:attrName>style.visibility</p:attrName>
+                                        </p:attrNameLst>
+                                      </p:cBhvr>
+                                      <p:to>
+                                        <p:strVal val="visible"/>
+                                      </p:to>
+                                    </p:set>
+                                    <p:animEffect transition="in" filter="fade">
+                                      <p:cBhvr>
+                                        <p:cTn id="7" dur="1000"/>
+                                        <p:tgtEl>
+                                          <p:spTgt spid="3">
+                                            <p:txEl>
+                                              <p:pRg st="0" end="0"/>
+                                            </p:txEl>
+                                          </p:spTgt>
+                                        </p:tgtEl>
+                                      </p:cBhvr>
+                                    </p:animEffect>
+                                    <p:anim calcmode="lin" valueType="num">
+                                      <p:cBhvr>
+                                        <p:cTn id="8" dur="1000" fill="hold"/>
+                                        <p:tgtEl>
+                                          <p:spTgt spid="3">
+                                            <p:txEl>
+                                              <p:pRg st="0" end="0"/>
+                                            </p:txEl>
+                                          </p:spTgt>
+                                        </p:tgtEl>
+                                        <p:attrNameLst>
+                                          <p:attrName>ppt_x</p:attrName>
+                                        </p:attrNameLst>
+                                      </p:cBhvr>
+                                      <p:tavLst>
+                                        <p:tav tm="0">
+                                          <p:val>
+                                            <p:strVal val="#ppt_x"/>
+                                          </p:val>
+                                        </p:tav>
+                                        <p:tav tm="100000">
+                                          <p:val>
+                                            <p:strVal val="#ppt_x"/>
+                                          </p:val>
+                                        </p:tav>
+                                      </p:tavLst>
+                                    </p:anim>
+                                    <p:anim calcmode="lin" valueType="num">
+                                      <p:cBhvr>
+                                        <p:cTn id="9" dur="1000" fill="hold"/>
+                                        <p:tgtEl>
+                                          <p:spTgt spid="3">
+                                            <p:txEl>
+                                              <p:pRg st="0" end="0"/>
+                                            </p:txEl>
+                                          </p:spTgt>
+                                        </p:tgtEl>
+                                        <p:attrNameLst>
+                                          <p:attrName>ppt_y</p:attrName>
+                                        </p:attrNameLst>
+                                      </p:cBhvr>
+                                      <p:tavLst>
+                                        <p:tav tm="0">
+                                          <p:val>
+                                            <p:strVal val="#ppt_y+.1"/>
+                                          </p:val>
+                                        </p:tav>
+                                        <p:tav tm="100000">
+                                          <p:val>
+                                            <p:strVal val="#ppt_y"/>
+                                          </p:val>
+                                        </p:tav>
+                                      </p:tavLst>
+                                    </p:anim>
+                                  </p:childTnLst>
+                                </p:cTn>
+                              </p:par>
+                            </p:childTnLst>
+                          </p:cTn>
+                        </p:par>
+                      </p:childTnLst>
+                    </p:cTn>
+                  </p:par>
+                  <p:par>
+                    <p:cTn id="10" fill="hold">
+                      <p:stCondLst>
+                        <p:cond delay="indefinite"/>
+                      </p:stCondLst>
+                      <p:childTnLst>
+                        <p:par>
+                          <p:cTn id="11" fill="hold">
+                            <p:stCondLst>
+                              <p:cond delay="0"/>
+                            </p:stCondLst>
+                            <p:childTnLst>
+                              <p:par>
+                                <p:cTn id="12" presetID="42" presetClass="entr" presetSubtype="0" fill="hold" nodeType="clickEffect">
+                                  <p:stCondLst>
+                                    <p:cond delay="0"/>
+                                  </p:stCondLst>
+                                  <p:childTnLst>
+                                    <p:set>
+                                      <p:cBhvr>
+                                        <p:cTn id="13" dur="1" fill="hold">
+                                          <p:stCondLst>
+                                            <p:cond delay="0"/>
+                                          </p:stCondLst>
+                                        </p:cTn>
+                                        <p:tgtEl>
+                                          <p:spTgt spid="4">
+                                            <p:txEl>
+                                              <p:pRg st="0" end="0"/>
+                                            </p:txEl>
+                                          </p:spTgt>
+                                        </p:tgtEl>
+                                        <p:attrNameLst>
+                                          <p:attrName>style.visibility</p:attrName>
+                                        </p:attrNameLst>
+                                      </p:cBhvr>
+                                      <p:to>
+                                        <p:strVal val="visible"/>
+                                      </p:to>
+                                    </p:set>
+                                    <p:animEffect transition="in" filter="fade">
+                                      <p:cBhvr>
+                                        <p:cTn id="14" dur="1000"/>
+                                        <p:tgtEl>
+                                          <p:spTgt spid="4">
+                                            <p:txEl>
+                                              <p:pRg st="0" end="0"/>
+                                            </p:txEl>
+                                          </p:spTgt>
+                                        </p:tgtEl>
+                                      </p:cBhvr>
+                                    </p:animEffect>
+                                    <p:anim calcmode="lin" valueType="num">
+                                      <p:cBhvr>
+                                        <p:cTn id="15" dur="1000" fill="hold"/>
+                                        <p:tgtEl>
+                                          <p:spTgt spid="4">
+                                            <p:txEl>
+                                              <p:pRg st="0" end="0"/>
+                                            </p:txEl>
+                                          </p:spTgt>
+                                        </p:tgtEl>
+                                        <p:attrNameLst>
+                                          <p:attrName>ppt_x</p:attrName>
+                                        </p:attrNameLst>
+                                      </p:cBhvr>
+                                      <p:tavLst>
+                                        <p:tav tm="0">
+                                          <p:val>
+                                            <p:strVal val="#ppt_x"/>
+                                          </p:val>
+                                        </p:tav>
+                                        <p:tav tm="100000">
+                                          <p:val>
+                                            <p:strVal val="#ppt_x"/>
+                                          </p:val>
+                                        </p:tav>
+                                      </p:tavLst>
+                                    </p:anim>
+                                    <p:anim calcmode="lin" valueType="num">
+                                      <p:cBhvr>
+                                        <p:cTn id="16" dur="1000" fill="hold"/>
+                                        <p:tgtEl>
+                                          <p:spTgt spid="4">
+                                            <p:txEl>
+                                              <p:pRg st="0" end="0"/>
+                                            </p:txEl>
+                                          </p:spTgt>
+                                        </p:tgtEl>
+                                        <p:attrNameLst>
+                                          <p:attrName>ppt_y</p:attrName>
+                                        </p:attrNameLst>
+                                      </p:cBhvr>
+                                      <p:tavLst>
+                                        <p:tav tm="0">
+                                          <p:val>
+                                            <p:strVal val="#ppt_y+.1"/>
+                                          </p:val>
+                                        </p:tav>
+                                        <p:tav tm="100000">
+                                          <p:val>
+                                            <p:strVal val="#ppt_y"/>
+                                          </p:val>
+                                        </p:tav>
+                                      </p:tavLst>
+                                    </p:anim>
+                                  </p:childTnLst>
+                                </p:cTn>
+                              </p:par>
+                              <p:par>
+                                <p:cTn id="17" presetID="42" presetClass="entr" presetSubtype="0" fill="hold" nodeType="withEffect">
+                                  <p:stCondLst>
+                                    <p:cond delay="0"/>
+                                  </p:stCondLst>
+                                  <p:childTnLst>
+                                    <p:set>
+                                      <p:cBhvr>
+                                        <p:cTn id="18" dur="1" fill="hold">
+                                          <p:stCondLst>
+                                            <p:cond delay="0"/>
+                                          </p:stCondLst>
+                                        </p:cTn>
+                                        <p:tgtEl>
+                                          <p:spTgt spid="4">
+                                            <p:txEl>
+                                              <p:pRg st="1" end="1"/>
+                                            </p:txEl>
+                                          </p:spTgt>
+                                        </p:tgtEl>
+                                        <p:attrNameLst>
+                                          <p:attrName>style.visibility</p:attrName>
+                                        </p:attrNameLst>
+                                      </p:cBhvr>
+                                      <p:to>
+                                        <p:strVal val="visible"/>
+                                      </p:to>
+                                    </p:set>
+                                    <p:animEffect transition="in" filter="fade">
+                                      <p:cBhvr>
+                                        <p:cTn id="19" dur="1000"/>
+                                        <p:tgtEl>
+                                          <p:spTgt spid="4">
+                                            <p:txEl>
+                                              <p:pRg st="1" end="1"/>
+                                            </p:txEl>
+                                          </p:spTgt>
+                                        </p:tgtEl>
+                                      </p:cBhvr>
+                                    </p:animEffect>
+                                    <p:anim calcmode="lin" valueType="num">
+                                      <p:cBhvr>
+                                        <p:cTn id="20" dur="1000" fill="hold"/>
+                                        <p:tgtEl>
+                                          <p:spTgt spid="4">
+                                            <p:txEl>
+                                              <p:pRg st="1" end="1"/>
+                                            </p:txEl>
+                                          </p:spTgt>
+                                        </p:tgtEl>
+                                        <p:attrNameLst>
+                                          <p:attrName>ppt_x</p:attrName>
+                                        </p:attrNameLst>
+                                      </p:cBhvr>
+                                      <p:tavLst>
+                                        <p:tav tm="0">
+                                          <p:val>
+                                            <p:strVal val="#ppt_x"/>
+                                          </p:val>
+                                        </p:tav>
+                                        <p:tav tm="100000">
+                                          <p:val>
+                                            <p:strVal val="#ppt_x"/>
+                                          </p:val>
+                                        </p:tav>
+                                      </p:tavLst>
+                                    </p:anim>
+                                    <p:anim calcmode="lin" valueType="num">
+                                      <p:cBhvr>
+                                        <p:cTn id="21" dur="1000" fill="hold"/>
+                                        <p:tgtEl>
+                                          <p:spTgt spid="4">
+                                            <p:txEl>
+                                              <p:pRg st="1" end="1"/>
+                                            </p:txEl>
+                                          </p:spTgt>
+                                        </p:tgtEl>
+                                        <p:attrNameLst>
+                                          <p:attrName>ppt_y</p:attrName>
+                                        </p:attrNameLst>
+                                      </p:cBhvr>
+                                      <p:tavLst>
+                                        <p:tav tm="0">
+                                          <p:val>
+                                            <p:strVal val="#ppt_y+.1"/>
+                                          </p:val>
+                                        </p:tav>
+                                        <p:tav tm="100000">
+                                          <p:val>
+                                            <p:strVal val="#ppt_y"/>
+                                          </p:val>
+                                        </p:tav>
+                                      </p:tavLst>
+                                    </p:anim>
+                                  </p:childTnLst>
+                                </p:cTn>
+                              </p:par>
+                            </p:childTnLst>
+                          </p:cTn>
+                        </p:par>
+                      </p:childTnLst>
+                    </p:cTn>
+                  </p:par>
+                  <p:par>
+                    <p:cTn id="22" fill="hold">
+                      <p:stCondLst>
+                        <p:cond delay="indefinite"/>
+                      </p:stCondLst>
+                      <p:childTnLst>
+                        <p:par>
+                          <p:cTn id="23" fill="hold">
+                            <p:stCondLst>
+                              <p:cond delay="0"/>
+                            </p:stCondLst>
+                            <p:childTnLst>
+                              <p:par>
+                                <p:cTn id="24" presetID="42" presetClass="entr" presetSubtype="0" fill="hold" nodeType="clickEffect">
+                                  <p:stCondLst>
+                                    <p:cond delay="0"/>
+                                  </p:stCondLst>
+                                  <p:childTnLst>
+                                    <p:set>
+                                      <p:cBhvr>
+                                        <p:cTn id="25" dur="1" fill="hold">
+                                          <p:stCondLst>
+                                            <p:cond delay="0"/>
+                                          </p:stCondLst>
+                                        </p:cTn>
+                                        <p:tgtEl>
+                                          <p:spTgt spid="5">
+                                            <p:txEl>
+                                              <p:pRg st="0" end="0"/>
+                                            </p:txEl>
+                                          </p:spTgt>
+                                        </p:tgtEl>
+                                        <p:attrNameLst>
+                                          <p:attrName>style.visibility</p:attrName>
+                                        </p:attrNameLst>
+                                      </p:cBhvr>
+                                      <p:to>
+                                        <p:strVal val="visible"/>
+                                      </p:to>
+                                    </p:set>
+                                    <p:animEffect transition="in" filter="fade">
+                                      <p:cBhvr>
+                                        <p:cTn id="26" dur="1000"/>
+                                        <p:tgtEl>
+                                          <p:spTgt spid="5">
+                                            <p:txEl>
+                                              <p:pRg st="0" end="0"/>
+                                            </p:txEl>
+                                          </p:spTgt>
+                                        </p:tgtEl>
+                                      </p:cBhvr>
+                                    </p:animEffect>
+                                    <p:anim calcmode="lin" valueType="num">
+                                      <p:cBhvr>
+                                        <p:cTn id="27" dur="1000" fill="hold"/>
+                                        <p:tgtEl>
+                                          <p:spTgt spid="5">
+                                            <p:txEl>
+                                              <p:pRg st="0" end="0"/>
+                                            </p:txEl>
+                                          </p:spTgt>
+                                        </p:tgtEl>
+                                        <p:attrNameLst>
+                                          <p:attrName>ppt_x</p:attrName>
+                                        </p:attrNameLst>
+                                      </p:cBhvr>
+                                      <p:tavLst>
+                                        <p:tav tm="0">
+                                          <p:val>
+                                            <p:strVal val="#ppt_x"/>
+                                          </p:val>
+                                        </p:tav>
+                                        <p:tav tm="100000">
+                                          <p:val>
+                                            <p:strVal val="#ppt_x"/>
+                                          </p:val>
+                                        </p:tav>
+                                      </p:tavLst>
+                                    </p:anim>
+                                    <p:anim calcmode="lin" valueType="num">
+                                      <p:cBhvr>
+                                        <p:cTn id="28" dur="1000" fill="hold"/>
+                                        <p:tgtEl>
+                                          <p:spTgt spid="5">
+                                            <p:txEl>
+                                              <p:pRg st="0" end="0"/>
+                                            </p:txEl>
+                                          </p:spTgt>
+                                        </p:tgtEl>
+                                        <p:attrNameLst>
+                                          <p:attrName>ppt_y</p:attrName>
+                                        </p:attrNameLst>
+                                      </p:cBhvr>
+                                      <p:tavLst>
+                                        <p:tav tm="0">
+                                          <p:val>
+                                            <p:strVal val="#ppt_y+.1"/>
+                                          </p:val>
+                                        </p:tav>
+                                        <p:tav tm="100000">
+                                          <p:val>
+                                            <p:strVal val="#ppt_y"/>
+                                          </p:val>
+                                        </p:tav>
+                                      </p:tavLst>
+                                    </p:anim>
+                                  </p:childTnLst>
+                                </p:cTn>
+                              </p:par>
+                            </p:childTnLst>
+                          </p:cTn>
+                        </p:par>
+                      </p:childTnLst>
+                    </p:cTn>
+                  </p:par>
+                  <p:par>
+                    <p:cTn id="29" fill="hold">
+                      <p:stCondLst>
+                        <p:cond delay="indefinite"/>
+                      </p:stCondLst>
+                      <p:childTnLst>
+                        <p:par>
+                          <p:cTn id="30" fill="hold">
+                            <p:stCondLst>
+                              <p:cond delay="0"/>
+                            </p:stCondLst>
+                            <p:childTnLst>
+                              <p:par>
+                                <p:cTn id="31" presetID="42" presetClass="entr" presetSubtype="0" fill="hold" nodeType="clickEffect">
+                                  <p:stCondLst>
+                                    <p:cond delay="0"/>
+                                  </p:stCondLst>
+                                  <p:childTnLst>
+                                    <p:set>
+                                      <p:cBhvr>
+                                        <p:cTn id="32" dur="1" fill="hold">
+                                          <p:stCondLst>
+                                            <p:cond delay="0"/>
+                                          </p:stCondLst>
+                                        </p:cTn>
+                                        <p:tgtEl>
+                                          <p:spTgt spid="6"/>
+                                        </p:tgtEl>
+                                        <p:attrNameLst>
+                                          <p:attrName>style.visibility</p:attrName>
+                                        </p:attrNameLst>
+                                      </p:cBhvr>
+                                      <p:to>
+                                        <p:strVal val="visible"/>
+                                      </p:to>
+                                    </p:set>
+                                    <p:animEffect transition="in" filter="fade">
+                                      <p:cBhvr>
+                                        <p:cTn id="33" dur="1000"/>
+                                        <p:tgtEl>
+                                          <p:spTgt spid="6"/>
+                                        </p:tgtEl>
+                                      </p:cBhvr>
+                                    </p:animEffect>
+                                    <p:anim calcmode="lin" valueType="num">
+                                      <p:cBhvr>
+                                        <p:cTn id="34" dur="1000" fill="hold"/>
+                                        <p:tgtEl>
+                                          <p:spTgt spid="6"/>
+                                        </p:tgtEl>
+                                        <p:attrNameLst>
+                                          <p:attrName>ppt_x</p:attrName>
+                                        </p:attrNameLst>
+                                      </p:cBhvr>
+                                      <p:tavLst>
+                                        <p:tav tm="0">
+                                          <p:val>
+                                            <p:strVal val="#ppt_x"/>
+                                          </p:val>
+                                        </p:tav>
+                                        <p:tav tm="100000">
+                                          <p:val>
+                                            <p:strVal val="#ppt_x"/>
+                                          </p:val>
+                                        </p:tav>
+                                      </p:tavLst>
+                                    </p:anim>
+                                    <p:anim calcmode="lin" valueType="num">
+                                      <p:cBhvr>
+                                        <p:cTn id="35" dur="1000" fill="hold"/>
+                                        <p:tgtEl>
+                                          <p:spTgt spid="6"/>
+                                        </p:tgtEl>
+                                        <p:attrNameLst>
+                                          <p:attrName>ppt_y</p:attrName>
+                                        </p:attrNameLst>
+                                      </p:cBhvr>
+                                      <p:tavLst>
+                                        <p:tav tm="0">
+                                          <p:val>
+                                            <p:strVal val="#ppt_y+.1"/>
+                                          </p:val>
+                                        </p:tav>
+                                        <p:tav tm="100000">
+                                          <p:val>
+                                            <p:strVal val="#ppt_y"/>
+                                          </p:val>
+                                        </p:tav>
+                                      </p:tavLst>
+                                    </p:anim>
+                                  </p:childTnLst>
+                                </p:cTn>
+                              </p:par>
+                            </p:childTnLst>
+                          </p:cTn>
+                        </p:par>
+                      </p:childTnLst>
+                    </p:cTn>
+                  </p:par>
+                </p:childTnLst>
+              </p:cTn>
+              <p:prevCondLst>
+                <p:cond evt="onPrev" delay="0">
+                  <p:tgtEl>
+                    <p:sldTgt/>
+                  </p:tgtEl>
+                </p:cond>
+              </p:prevCondLst>
+              <p:nextCondLst>
+                <p:cond evt="onNext" delay="0">
+                  <p:tgtEl>
+                    <p:sldTgt/>
+                  </p:tgtEl>
+                </p:cond>
+              </p:nextCondLst>
+            </p:seq>
+          </p:childTnLst>
+        </p:cTn>
       </p:par>
     </p:tnLst>
   </p:timing>
